--- a/Klassifikation und Clustering.pptx
+++ b/Klassifikation und Clustering.pptx
@@ -5,7 +5,7 @@
     <p:sldMasterId id="2147483694" r:id="rId1"/>
   </p:sldMasterIdLst>
   <p:notesMasterIdLst>
-    <p:notesMasterId r:id="rId20"/>
+    <p:notesMasterId r:id="rId21"/>
   </p:notesMasterIdLst>
   <p:sldIdLst>
     <p:sldId id="256" r:id="rId2"/>
@@ -17,15 +17,16 @@
     <p:sldId id="279" r:id="rId8"/>
     <p:sldId id="282" r:id="rId9"/>
     <p:sldId id="280" r:id="rId10"/>
-    <p:sldId id="272" r:id="rId11"/>
-    <p:sldId id="258" r:id="rId12"/>
-    <p:sldId id="259" r:id="rId13"/>
-    <p:sldId id="283" r:id="rId14"/>
-    <p:sldId id="260" r:id="rId15"/>
-    <p:sldId id="275" r:id="rId16"/>
-    <p:sldId id="261" r:id="rId17"/>
-    <p:sldId id="284" r:id="rId18"/>
-    <p:sldId id="266" r:id="rId19"/>
+    <p:sldId id="285" r:id="rId11"/>
+    <p:sldId id="286" r:id="rId12"/>
+    <p:sldId id="272" r:id="rId13"/>
+    <p:sldId id="258" r:id="rId14"/>
+    <p:sldId id="259" r:id="rId15"/>
+    <p:sldId id="283" r:id="rId16"/>
+    <p:sldId id="260" r:id="rId17"/>
+    <p:sldId id="275" r:id="rId18"/>
+    <p:sldId id="261" r:id="rId19"/>
+    <p:sldId id="284" r:id="rId20"/>
   </p:sldIdLst>
   <p:sldSz cx="12192000" cy="6858000"/>
   <p:notesSz cx="6858000" cy="9144000"/>
@@ -214,7 +215,7 @@
           <a:p>
             <a:fld id="{CA596B86-7F04-41CD-8F0F-DCFEA733C39E}" type="datetimeFigureOut">
               <a:rPr lang="en-GB" smtClean="0"/>
-              <a:t>04/01/2017</a:t>
+              <a:t>01/02/2017</a:t>
             </a:fld>
             <a:endParaRPr lang="en-GB"/>
           </a:p>
@@ -278,35 +279,35 @@
           <a:p>
             <a:pPr lvl="0"/>
             <a:r>
-              <a:rPr lang="de-DE" smtClean="0"/>
+              <a:rPr lang="de-DE"/>
               <a:t>Textmasterformat bearbeiten</a:t>
             </a:r>
           </a:p>
           <a:p>
             <a:pPr lvl="1"/>
             <a:r>
-              <a:rPr lang="de-DE" smtClean="0"/>
+              <a:rPr lang="de-DE"/>
               <a:t>Zweite Ebene</a:t>
             </a:r>
           </a:p>
           <a:p>
             <a:pPr lvl="2"/>
             <a:r>
-              <a:rPr lang="de-DE" smtClean="0"/>
+              <a:rPr lang="de-DE"/>
               <a:t>Dritte Ebene</a:t>
             </a:r>
           </a:p>
           <a:p>
             <a:pPr lvl="3"/>
             <a:r>
-              <a:rPr lang="de-DE" smtClean="0"/>
+              <a:rPr lang="de-DE"/>
               <a:t>Vierte Ebene</a:t>
             </a:r>
           </a:p>
           <a:p>
             <a:pPr lvl="4"/>
             <a:r>
-              <a:rPr lang="de-DE" smtClean="0"/>
+              <a:rPr lang="de-DE"/>
               <a:t>Fünfte Ebene</a:t>
             </a:r>
             <a:endParaRPr lang="en-GB"/>
@@ -1287,10 +1288,10 @@
           <a:lstStyle/>
           <a:p>
             <a:r>
-              <a:rPr lang="de-AT" smtClean="0"/>
-              <a:t>21.12.2016</a:t>
-            </a:r>
-            <a:endParaRPr lang="de-AT"/>
+              <a:rPr lang="de-AT" dirty="0"/>
+              <a:t>27.02.2017</a:t>
+            </a:r>
+            <a:endParaRPr lang="de-AT" dirty="0"/>
           </a:p>
         </p:txBody>
       </p:sp>
@@ -1351,13 +1352,6 @@
   <p:clrMapOvr>
     <a:masterClrMapping/>
   </p:clrMapOvr>
-  <p:timing>
-    <p:tnLst>
-      <p:par>
-        <p:cTn id="1" dur="indefinite" restart="never" nodeType="tmRoot"/>
-      </p:par>
-    </p:tnLst>
-  </p:timing>
 </p:sldLayout>
 </file>
 
@@ -1547,13 +1541,16 @@
         <p:spPr/>
         <p:txBody>
           <a:bodyPr/>
-          <a:lstStyle/>
-          <a:p>
-            <a:r>
-              <a:rPr lang="de-AT" smtClean="0"/>
-              <a:t>21.12.2016</a:t>
-            </a:r>
-            <a:endParaRPr lang="de-AT"/>
+          <a:lstStyle>
+            <a:lvl1pPr>
+              <a:defRPr/>
+            </a:lvl1pPr>
+          </a:lstStyle>
+          <a:p>
+            <a:r>
+              <a:rPr lang="de-AT" dirty="0"/>
+              <a:t>27.02.2017</a:t>
+            </a:r>
           </a:p>
         </p:txBody>
       </p:sp>
@@ -1609,13 +1606,6 @@
   <p:clrMapOvr>
     <a:masterClrMapping/>
   </p:clrMapOvr>
-  <p:timing>
-    <p:tnLst>
-      <p:par>
-        <p:cTn id="1" dur="indefinite" restart="never" nodeType="tmRoot"/>
-      </p:par>
-    </p:tnLst>
-  </p:timing>
 </p:sldLayout>
 </file>
 
@@ -1868,13 +1858,16 @@
         <p:spPr/>
         <p:txBody>
           <a:bodyPr/>
-          <a:lstStyle/>
-          <a:p>
-            <a:r>
-              <a:rPr lang="de-AT" smtClean="0"/>
-              <a:t>21.12.2016</a:t>
-            </a:r>
-            <a:endParaRPr lang="de-AT"/>
+          <a:lstStyle>
+            <a:lvl1pPr>
+              <a:defRPr/>
+            </a:lvl1pPr>
+          </a:lstStyle>
+          <a:p>
+            <a:r>
+              <a:rPr lang="de-AT" dirty="0"/>
+              <a:t>27.02.2017</a:t>
+            </a:r>
           </a:p>
         </p:txBody>
       </p:sp>
@@ -2020,13 +2013,6 @@
   <p:clrMapOvr>
     <a:masterClrMapping/>
   </p:clrMapOvr>
-  <p:timing>
-    <p:tnLst>
-      <p:par>
-        <p:cTn id="1" dur="indefinite" restart="never" nodeType="tmRoot"/>
-      </p:par>
-    </p:tnLst>
-  </p:timing>
 </p:sldLayout>
 </file>
 
@@ -2216,13 +2202,16 @@
         <p:spPr/>
         <p:txBody>
           <a:bodyPr/>
-          <a:lstStyle/>
-          <a:p>
-            <a:r>
-              <a:rPr lang="de-AT" smtClean="0"/>
-              <a:t>21.12.2016</a:t>
-            </a:r>
-            <a:endParaRPr lang="de-AT"/>
+          <a:lstStyle>
+            <a:lvl1pPr>
+              <a:defRPr/>
+            </a:lvl1pPr>
+          </a:lstStyle>
+          <a:p>
+            <a:r>
+              <a:rPr lang="de-AT" dirty="0"/>
+              <a:t>27.02.2017</a:t>
+            </a:r>
           </a:p>
         </p:txBody>
       </p:sp>
@@ -2278,13 +2267,6 @@
   <p:clrMapOvr>
     <a:masterClrMapping/>
   </p:clrMapOvr>
-  <p:timing>
-    <p:tnLst>
-      <p:par>
-        <p:cTn id="1" dur="indefinite" restart="never" nodeType="tmRoot"/>
-      </p:par>
-    </p:tnLst>
-  </p:timing>
 </p:sldLayout>
 </file>
 
@@ -2537,13 +2519,16 @@
         <p:spPr/>
         <p:txBody>
           <a:bodyPr/>
-          <a:lstStyle/>
-          <a:p>
-            <a:r>
-              <a:rPr lang="de-AT" smtClean="0"/>
-              <a:t>21.12.2016</a:t>
-            </a:r>
-            <a:endParaRPr lang="de-AT"/>
+          <a:lstStyle>
+            <a:lvl1pPr>
+              <a:defRPr/>
+            </a:lvl1pPr>
+          </a:lstStyle>
+          <a:p>
+            <a:r>
+              <a:rPr lang="de-AT" dirty="0"/>
+              <a:t>27.02.2017</a:t>
+            </a:r>
           </a:p>
         </p:txBody>
       </p:sp>
@@ -2681,13 +2666,6 @@
   <p:clrMapOvr>
     <a:masterClrMapping/>
   </p:clrMapOvr>
-  <p:timing>
-    <p:tnLst>
-      <p:par>
-        <p:cTn id="1" dur="indefinite" restart="never" nodeType="tmRoot"/>
-      </p:par>
-    </p:tnLst>
-  </p:timing>
 </p:sldLayout>
 </file>
 
@@ -2937,13 +2915,16 @@
         <p:spPr/>
         <p:txBody>
           <a:bodyPr/>
-          <a:lstStyle/>
-          <a:p>
-            <a:r>
-              <a:rPr lang="de-AT" smtClean="0"/>
-              <a:t>21.12.2016</a:t>
-            </a:r>
-            <a:endParaRPr lang="de-AT"/>
+          <a:lstStyle>
+            <a:lvl1pPr>
+              <a:defRPr/>
+            </a:lvl1pPr>
+          </a:lstStyle>
+          <a:p>
+            <a:r>
+              <a:rPr lang="de-AT" dirty="0"/>
+              <a:t>27.02.2017</a:t>
+            </a:r>
           </a:p>
         </p:txBody>
       </p:sp>
@@ -2999,13 +2980,6 @@
   <p:clrMapOvr>
     <a:masterClrMapping/>
   </p:clrMapOvr>
-  <p:timing>
-    <p:tnLst>
-      <p:par>
-        <p:cTn id="1" dur="indefinite" restart="never" nodeType="tmRoot"/>
-      </p:par>
-    </p:tnLst>
-  </p:timing>
 </p:sldLayout>
 </file>
 
@@ -3114,13 +3088,16 @@
         <p:spPr/>
         <p:txBody>
           <a:bodyPr/>
-          <a:lstStyle/>
-          <a:p>
-            <a:r>
-              <a:rPr lang="de-AT" smtClean="0"/>
-              <a:t>21.12.2016</a:t>
-            </a:r>
-            <a:endParaRPr lang="de-AT"/>
+          <a:lstStyle>
+            <a:lvl1pPr>
+              <a:defRPr/>
+            </a:lvl1pPr>
+          </a:lstStyle>
+          <a:p>
+            <a:r>
+              <a:rPr lang="de-AT" dirty="0"/>
+              <a:t>27.02.2017</a:t>
+            </a:r>
           </a:p>
         </p:txBody>
       </p:sp>
@@ -3176,13 +3153,6 @@
   <p:clrMapOvr>
     <a:masterClrMapping/>
   </p:clrMapOvr>
-  <p:timing>
-    <p:tnLst>
-      <p:par>
-        <p:cTn id="1" dur="indefinite" restart="never" nodeType="tmRoot"/>
-      </p:par>
-    </p:tnLst>
-  </p:timing>
 </p:sldLayout>
 </file>
 
@@ -3301,13 +3271,16 @@
         <p:spPr/>
         <p:txBody>
           <a:bodyPr/>
-          <a:lstStyle/>
-          <a:p>
-            <a:r>
-              <a:rPr lang="de-AT" smtClean="0"/>
-              <a:t>21.12.2016</a:t>
-            </a:r>
-            <a:endParaRPr lang="de-AT"/>
+          <a:lstStyle>
+            <a:lvl1pPr>
+              <a:defRPr/>
+            </a:lvl1pPr>
+          </a:lstStyle>
+          <a:p>
+            <a:r>
+              <a:rPr lang="de-AT" dirty="0"/>
+              <a:t>27.02.2017</a:t>
+            </a:r>
           </a:p>
         </p:txBody>
       </p:sp>
@@ -3363,13 +3336,6 @@
   <p:clrMapOvr>
     <a:masterClrMapping/>
   </p:clrMapOvr>
-  <p:timing>
-    <p:tnLst>
-      <p:par>
-        <p:cTn id="1" dur="indefinite" restart="never" nodeType="tmRoot"/>
-      </p:par>
-    </p:tnLst>
-  </p:timing>
 </p:sldLayout>
 </file>
 
@@ -3487,10 +3453,9 @@
           <a:lstStyle/>
           <a:p>
             <a:r>
-              <a:rPr lang="de-AT" smtClean="0"/>
-              <a:t>21.12.2016</a:t>
-            </a:r>
-            <a:endParaRPr lang="de-AT" dirty="0"/>
+              <a:rPr lang="de-AT" dirty="0"/>
+              <a:t>27.02.2017</a:t>
+            </a:r>
           </a:p>
         </p:txBody>
       </p:sp>
@@ -3551,13 +3516,6 @@
   <p:clrMapOvr>
     <a:masterClrMapping/>
   </p:clrMapOvr>
-  <p:timing>
-    <p:tnLst>
-      <p:par>
-        <p:cTn id="1" dur="indefinite" restart="never" nodeType="tmRoot"/>
-      </p:par>
-    </p:tnLst>
-  </p:timing>
 </p:sldLayout>
 </file>
 
@@ -3743,13 +3701,16 @@
         <p:spPr/>
         <p:txBody>
           <a:bodyPr/>
-          <a:lstStyle/>
-          <a:p>
-            <a:r>
-              <a:rPr lang="de-AT" smtClean="0"/>
-              <a:t>21.12.2016</a:t>
-            </a:r>
-            <a:endParaRPr lang="de-AT"/>
+          <a:lstStyle>
+            <a:lvl1pPr>
+              <a:defRPr/>
+            </a:lvl1pPr>
+          </a:lstStyle>
+          <a:p>
+            <a:r>
+              <a:rPr lang="de-AT" dirty="0"/>
+              <a:t>27.02.2017</a:t>
+            </a:r>
           </a:p>
         </p:txBody>
       </p:sp>
@@ -3810,13 +3771,6 @@
   <p:clrMapOvr>
     <a:masterClrMapping/>
   </p:clrMapOvr>
-  <p:timing>
-    <p:tnLst>
-      <p:par>
-        <p:cTn id="1" dur="indefinite" restart="never" nodeType="tmRoot"/>
-      </p:par>
-    </p:tnLst>
-  </p:timing>
 </p:sldLayout>
 </file>
 
@@ -3987,13 +3941,16 @@
         <p:spPr/>
         <p:txBody>
           <a:bodyPr/>
-          <a:lstStyle/>
-          <a:p>
-            <a:r>
-              <a:rPr lang="de-AT" smtClean="0"/>
-              <a:t>21.12.2016</a:t>
-            </a:r>
-            <a:endParaRPr lang="de-AT"/>
+          <a:lstStyle>
+            <a:lvl1pPr>
+              <a:defRPr/>
+            </a:lvl1pPr>
+          </a:lstStyle>
+          <a:p>
+            <a:r>
+              <a:rPr lang="de-AT" dirty="0"/>
+              <a:t>27.02.2017</a:t>
+            </a:r>
           </a:p>
         </p:txBody>
       </p:sp>
@@ -4049,13 +4006,6 @@
   <p:clrMapOvr>
     <a:masterClrMapping/>
   </p:clrMapOvr>
-  <p:timing>
-    <p:tnLst>
-      <p:par>
-        <p:cTn id="1" dur="indefinite" restart="never" nodeType="tmRoot"/>
-      </p:par>
-    </p:tnLst>
-  </p:timing>
 </p:sldLayout>
 </file>
 
@@ -4368,13 +4318,16 @@
         <p:spPr/>
         <p:txBody>
           <a:bodyPr/>
-          <a:lstStyle/>
-          <a:p>
-            <a:r>
-              <a:rPr lang="de-AT" smtClean="0"/>
-              <a:t>21.12.2016</a:t>
-            </a:r>
-            <a:endParaRPr lang="de-AT"/>
+          <a:lstStyle>
+            <a:lvl1pPr>
+              <a:defRPr/>
+            </a:lvl1pPr>
+          </a:lstStyle>
+          <a:p>
+            <a:r>
+              <a:rPr lang="de-AT" dirty="0"/>
+              <a:t>27.02.2017</a:t>
+            </a:r>
           </a:p>
         </p:txBody>
       </p:sp>
@@ -4430,13 +4383,6 @@
   <p:clrMapOvr>
     <a:masterClrMapping/>
   </p:clrMapOvr>
-  <p:timing>
-    <p:tnLst>
-      <p:par>
-        <p:cTn id="1" dur="indefinite" restart="never" nodeType="tmRoot"/>
-      </p:par>
-    </p:tnLst>
-  </p:timing>
 </p:sldLayout>
 </file>
 
@@ -4498,13 +4444,16 @@
         <p:spPr/>
         <p:txBody>
           <a:bodyPr/>
-          <a:lstStyle/>
-          <a:p>
-            <a:r>
-              <a:rPr lang="de-AT" smtClean="0"/>
-              <a:t>21.12.2016</a:t>
-            </a:r>
-            <a:endParaRPr lang="de-AT"/>
+          <a:lstStyle>
+            <a:lvl1pPr>
+              <a:defRPr/>
+            </a:lvl1pPr>
+          </a:lstStyle>
+          <a:p>
+            <a:r>
+              <a:rPr lang="de-AT" dirty="0"/>
+              <a:t>27.02.2017</a:t>
+            </a:r>
           </a:p>
         </p:txBody>
       </p:sp>
@@ -4560,13 +4509,6 @@
   <p:clrMapOvr>
     <a:masterClrMapping/>
   </p:clrMapOvr>
-  <p:timing>
-    <p:tnLst>
-      <p:par>
-        <p:cTn id="1" dur="indefinite" restart="never" nodeType="tmRoot"/>
-      </p:par>
-    </p:tnLst>
-  </p:timing>
 </p:sldLayout>
 </file>
 
@@ -4600,13 +4542,16 @@
         <p:spPr/>
         <p:txBody>
           <a:bodyPr/>
-          <a:lstStyle/>
-          <a:p>
-            <a:r>
-              <a:rPr lang="de-AT" smtClean="0"/>
-              <a:t>21.12.2016</a:t>
-            </a:r>
-            <a:endParaRPr lang="de-AT"/>
+          <a:lstStyle>
+            <a:lvl1pPr>
+              <a:defRPr/>
+            </a:lvl1pPr>
+          </a:lstStyle>
+          <a:p>
+            <a:r>
+              <a:rPr lang="de-AT" dirty="0"/>
+              <a:t>27.02.2017</a:t>
+            </a:r>
           </a:p>
         </p:txBody>
       </p:sp>
@@ -4662,13 +4607,6 @@
   <p:clrMapOvr>
     <a:masterClrMapping/>
   </p:clrMapOvr>
-  <p:timing>
-    <p:tnLst>
-      <p:par>
-        <p:cTn id="1" dur="indefinite" restart="never" nodeType="tmRoot"/>
-      </p:par>
-    </p:tnLst>
-  </p:timing>
 </p:sldLayout>
 </file>
 
@@ -4862,13 +4800,16 @@
         <p:spPr/>
         <p:txBody>
           <a:bodyPr/>
-          <a:lstStyle/>
-          <a:p>
-            <a:r>
-              <a:rPr lang="de-AT" smtClean="0"/>
-              <a:t>21.12.2016</a:t>
-            </a:r>
-            <a:endParaRPr lang="de-AT"/>
+          <a:lstStyle>
+            <a:lvl1pPr>
+              <a:defRPr/>
+            </a:lvl1pPr>
+          </a:lstStyle>
+          <a:p>
+            <a:r>
+              <a:rPr lang="de-AT" dirty="0"/>
+              <a:t>27.02.2017</a:t>
+            </a:r>
           </a:p>
         </p:txBody>
       </p:sp>
@@ -4924,13 +4865,6 @@
   <p:clrMapOvr>
     <a:masterClrMapping/>
   </p:clrMapOvr>
-  <p:timing>
-    <p:tnLst>
-      <p:par>
-        <p:cTn id="1" dur="indefinite" restart="never" nodeType="tmRoot"/>
-      </p:par>
-    </p:tnLst>
-  </p:timing>
 </p:sldLayout>
 </file>
 
@@ -5132,13 +5066,16 @@
         <p:spPr/>
         <p:txBody>
           <a:bodyPr/>
-          <a:lstStyle/>
-          <a:p>
-            <a:r>
-              <a:rPr lang="de-AT" smtClean="0"/>
-              <a:t>21.12.2016</a:t>
-            </a:r>
-            <a:endParaRPr lang="de-AT"/>
+          <a:lstStyle>
+            <a:lvl1pPr>
+              <a:defRPr/>
+            </a:lvl1pPr>
+          </a:lstStyle>
+          <a:p>
+            <a:r>
+              <a:rPr lang="de-AT" dirty="0"/>
+              <a:t>27.02.2017</a:t>
+            </a:r>
           </a:p>
         </p:txBody>
       </p:sp>
@@ -5194,13 +5131,6 @@
   <p:clrMapOvr>
     <a:masterClrMapping/>
   </p:clrMapOvr>
-  <p:timing>
-    <p:tnLst>
-      <p:par>
-        <p:cTn id="1" dur="indefinite" restart="never" nodeType="tmRoot"/>
-      </p:par>
-    </p:tnLst>
-  </p:timing>
 </p:sldLayout>
 </file>
 
@@ -5885,10 +5815,9 @@
           </a:lstStyle>
           <a:p>
             <a:r>
-              <a:rPr lang="de-AT" smtClean="0"/>
-              <a:t>21.12.2016</a:t>
-            </a:r>
-            <a:endParaRPr lang="de-AT" dirty="0"/>
+              <a:rPr lang="de-AT" dirty="0"/>
+              <a:t>27.02.2017</a:t>
+            </a:r>
           </a:p>
         </p:txBody>
       </p:sp>
@@ -5995,13 +5924,6 @@
     <p:sldLayoutId id="2147483709" r:id="rId15"/>
     <p:sldLayoutId id="2147483710" r:id="rId16"/>
   </p:sldLayoutIdLst>
-  <p:timing>
-    <p:tnLst>
-      <p:par>
-        <p:cTn id="1" dur="indefinite" restart="never" nodeType="tmRoot"/>
-      </p:par>
-    </p:tnLst>
-  </p:timing>
   <p:hf hdr="0" ftr="0"/>
   <p:txStyles>
     <p:titleStyle>
@@ -6457,10 +6379,9 @@
           <a:lstStyle/>
           <a:p>
             <a:r>
-              <a:rPr lang="de-AT" dirty="0" smtClean="0"/>
-              <a:t>Philipp Krainer, 21.12.2016</a:t>
-            </a:r>
-            <a:endParaRPr lang="de-AT" dirty="0"/>
+              <a:rPr lang="de-AT" dirty="0"/>
+              <a:t>Philipp Krainer</a:t>
+            </a:r>
           </a:p>
         </p:txBody>
       </p:sp>
@@ -6480,8 +6401,8 @@
           <a:lstStyle/>
           <a:p>
             <a:r>
-              <a:rPr lang="de-AT" dirty="0" smtClean="0"/>
-              <a:t>21.12.2016</a:t>
+              <a:rPr lang="de-AT" dirty="0"/>
+              <a:t>27.02.2017</a:t>
             </a:r>
             <a:endParaRPr lang="de-AT" dirty="0"/>
           </a:p>
@@ -6520,13 +6441,6 @@
   <p:clrMapOvr>
     <a:masterClrMapping/>
   </p:clrMapOvr>
-  <p:timing>
-    <p:tnLst>
-      <p:par>
-        <p:cTn id="1" dur="indefinite" restart="never" nodeType="tmRoot"/>
-      </p:par>
-    </p:tnLst>
-  </p:timing>
 </p:sld>
 </file>
 
@@ -6549,7 +6463,7 @@
       </p:grpSpPr>
       <p:sp>
         <p:nvSpPr>
-          <p:cNvPr id="4" name="Titel 3"/>
+          <p:cNvPr id="2" name="Titel 1"/>
           <p:cNvSpPr>
             <a:spLocks noGrp="1"/>
           </p:cNvSpPr>
@@ -6563,39 +6477,75 @@
           <a:lstStyle/>
           <a:p>
             <a:r>
-              <a:rPr lang="de-AT" dirty="0" smtClean="0"/>
-              <a:t>Klassifikation</a:t>
-            </a:r>
-            <a:endParaRPr lang="en-GB" dirty="0"/>
-          </a:p>
-        </p:txBody>
-      </p:sp>
-      <p:sp>
-        <p:nvSpPr>
-          <p:cNvPr id="5" name="Textplatzhalter 4"/>
-          <p:cNvSpPr>
-            <a:spLocks noGrp="1"/>
-          </p:cNvSpPr>
-          <p:nvPr>
-            <p:ph type="body" idx="1"/>
-          </p:nvPr>
-        </p:nvSpPr>
-        <p:spPr/>
-        <p:txBody>
-          <a:bodyPr/>
-          <a:lstStyle/>
-          <a:p>
-            <a:r>
-              <a:rPr lang="de-AT" dirty="0" smtClean="0"/>
-              <a:t>Allgemeines und Algorithmen</a:t>
-            </a:r>
-            <a:endParaRPr lang="en-GB" dirty="0"/>
-          </a:p>
-        </p:txBody>
-      </p:sp>
-      <p:sp>
-        <p:nvSpPr>
-          <p:cNvPr id="2" name="Datumsplatzhalter 1"/>
+              <a:rPr lang="de-AT" dirty="0"/>
+              <a:t>Graph-</a:t>
+            </a:r>
+            <a:r>
+              <a:rPr lang="de-AT" dirty="0" err="1"/>
+              <a:t>based</a:t>
+            </a:r>
+            <a:r>
+              <a:rPr lang="de-AT" dirty="0"/>
+              <a:t> Clustering</a:t>
+            </a:r>
+            <a:endParaRPr lang="de-AT" dirty="0"/>
+          </a:p>
+        </p:txBody>
+      </p:sp>
+      <p:sp>
+        <p:nvSpPr>
+          <p:cNvPr id="3" name="Inhaltsplatzhalter 2"/>
+          <p:cNvSpPr>
+            <a:spLocks noGrp="1"/>
+          </p:cNvSpPr>
+          <p:nvPr>
+            <p:ph idx="1"/>
+          </p:nvPr>
+        </p:nvSpPr>
+        <p:spPr/>
+        <p:txBody>
+          <a:bodyPr/>
+          <a:lstStyle/>
+          <a:p>
+            <a:r>
+              <a:rPr lang="de-DE" dirty="0"/>
+              <a:t>Ablauf:</a:t>
+            </a:r>
+          </a:p>
+          <a:p>
+            <a:pPr lvl="1"/>
+            <a:r>
+              <a:rPr lang="de-AT" dirty="0"/>
+              <a:t>Der Graph wird anhand von den Daten initialisiert</a:t>
+            </a:r>
+          </a:p>
+          <a:p>
+            <a:pPr lvl="1"/>
+            <a:r>
+              <a:rPr lang="de-AT" dirty="0"/>
+              <a:t>Durch die Minimierung der Kanten wird die beste Aufteilung gesucht</a:t>
+            </a:r>
+          </a:p>
+          <a:p>
+            <a:pPr lvl="1"/>
+            <a:r>
+              <a:rPr lang="de-AT" dirty="0"/>
+              <a:t>Der Graphen wird  anhand der Trennlinie zerteilt</a:t>
+            </a:r>
+          </a:p>
+          <a:p>
+            <a:pPr lvl="1"/>
+            <a:r>
+              <a:rPr lang="de-AT" dirty="0"/>
+              <a:t>Wiederholung:  bis die gewünschte Clusteranzahl erreicht ist </a:t>
+            </a:r>
+            <a:endParaRPr lang="de-AT" dirty="0"/>
+          </a:p>
+        </p:txBody>
+      </p:sp>
+      <p:sp>
+        <p:nvSpPr>
+          <p:cNvPr id="4" name="Datumsplatzhalter 3"/>
           <p:cNvSpPr>
             <a:spLocks noGrp="1"/>
           </p:cNvSpPr>
@@ -6609,8 +6559,8 @@
           <a:lstStyle/>
           <a:p>
             <a:r>
-              <a:rPr lang="de-AT" dirty="0" smtClean="0"/>
-              <a:t>21.12.2016</a:t>
+              <a:rPr lang="de-AT"/>
+              <a:t>27.02.2017</a:t>
             </a:r>
             <a:endParaRPr lang="de-AT" dirty="0"/>
           </a:p>
@@ -6618,7 +6568,7 @@
       </p:sp>
       <p:sp>
         <p:nvSpPr>
-          <p:cNvPr id="3" name="Foliennummernplatzhalter 2"/>
+          <p:cNvPr id="5" name="Foliennummernplatzhalter 4"/>
           <p:cNvSpPr>
             <a:spLocks noGrp="1"/>
           </p:cNvSpPr>
@@ -6631,8 +6581,9 @@
           <a:bodyPr/>
           <a:lstStyle/>
           <a:p>
-            <a:fld id="{FCC3EE01-B43B-44F9-94BE-862A999E6EC8}" type="slidenum">
+            <a:fld id="{312B4E99-D005-4436-9A01-D2EF8C8A66E3}" type="slidenum">
               <a:rPr lang="de-AT" smtClean="0"/>
+              <a:pPr/>
               <a:t>10</a:t>
             </a:fld>
             <a:endParaRPr lang="de-AT" dirty="0"/>
@@ -6642,20 +6593,13 @@
     </p:spTree>
     <p:extLst>
       <p:ext uri="{BB962C8B-B14F-4D97-AF65-F5344CB8AC3E}">
-        <p14:creationId xmlns:p14="http://schemas.microsoft.com/office/powerpoint/2010/main" val="4065598139"/>
+        <p14:creationId xmlns:p14="http://schemas.microsoft.com/office/powerpoint/2010/main" val="3339864606"/>
       </p:ext>
     </p:extLst>
   </p:cSld>
   <p:clrMapOvr>
     <a:masterClrMapping/>
   </p:clrMapOvr>
-  <p:timing>
-    <p:tnLst>
-      <p:par>
-        <p:cTn id="1" dur="indefinite" restart="never" nodeType="tmRoot"/>
-      </p:par>
-    </p:tnLst>
-  </p:timing>
 </p:sld>
 </file>
 
@@ -6692,8 +6636,24 @@
           <a:lstStyle/>
           <a:p>
             <a:r>
-              <a:rPr lang="de-AT" dirty="0" smtClean="0"/>
-              <a:t>Allgemeines</a:t>
+              <a:rPr lang="de-DE" dirty="0" err="1"/>
+              <a:t>Self</a:t>
+            </a:r>
+            <a:r>
+              <a:rPr lang="de-DE" dirty="0"/>
+              <a:t> </a:t>
+            </a:r>
+            <a:r>
+              <a:rPr lang="de-DE" dirty="0" err="1"/>
+              <a:t>Oragnizing</a:t>
+            </a:r>
+            <a:r>
+              <a:rPr lang="de-DE" dirty="0"/>
+              <a:t> </a:t>
+            </a:r>
+            <a:r>
+              <a:rPr lang="de-DE" dirty="0" err="1"/>
+              <a:t>Maps</a:t>
             </a:r>
             <a:endParaRPr lang="de-AT" dirty="0"/>
           </a:p>
@@ -6709,56 +6669,80 @@
             <p:ph idx="1"/>
           </p:nvPr>
         </p:nvSpPr>
-        <p:spPr>
-          <a:xfrm>
-            <a:off x="677334" y="2160589"/>
-            <a:ext cx="7913329" cy="3880773"/>
-          </a:xfrm>
-        </p:spPr>
-        <p:txBody>
-          <a:bodyPr>
-            <a:normAutofit/>
-          </a:bodyPr>
-          <a:lstStyle/>
-          <a:p>
-            <a:r>
-              <a:rPr lang="de-AT" dirty="0" smtClean="0"/>
-              <a:t>Klassifikation ordnet Daten Klassen zu </a:t>
-            </a:r>
-          </a:p>
-          <a:p>
-            <a:r>
-              <a:rPr lang="de-AT" dirty="0" smtClean="0"/>
-              <a:t>Klassifikation läuft in 2 Phasen ab </a:t>
-            </a:r>
+        <p:spPr/>
+        <p:txBody>
+          <a:bodyPr/>
+          <a:lstStyle/>
+          <a:p>
+            <a:r>
+              <a:rPr lang="de-DE" dirty="0"/>
+              <a:t>Ablauf:</a:t>
+            </a:r>
+            <a:endParaRPr lang="de-AT" dirty="0"/>
           </a:p>
           <a:p>
             <a:pPr lvl="1"/>
             <a:r>
-              <a:rPr lang="de-AT" dirty="0" smtClean="0"/>
-              <a:t>1. Phase: Anhand </a:t>
-            </a:r>
-            <a:r>
-              <a:rPr lang="de-AT" dirty="0"/>
-              <a:t>T</a:t>
-            </a:r>
-            <a:r>
-              <a:rPr lang="de-AT" dirty="0" smtClean="0"/>
-              <a:t>rainingsdaten wird ein Klassenmodell aufgebaut</a:t>
+              <a:rPr lang="de-AT" dirty="0"/>
+              <a:t>1. Ein Gitter mit n mal m Knoten wird gewählt</a:t>
             </a:r>
           </a:p>
           <a:p>
             <a:pPr lvl="1"/>
             <a:r>
-              <a:rPr lang="de-AT" dirty="0" smtClean="0"/>
-              <a:t>2. Phase: Mithilfe des Klassenmodells werden unbekannte Daten zugeordnet</a:t>
-            </a:r>
-          </a:p>
-          <a:p>
-            <a:r>
-              <a:rPr lang="de-AT" dirty="0" smtClean="0"/>
-              <a:t>Die Qualität wird durch eine Gütefunktion definiert</a:t>
-            </a:r>
+              <a:rPr lang="de-AT" dirty="0"/>
+              <a:t>2. k-dimensionale Vektoren werden </a:t>
+            </a:r>
+            <a:r>
+              <a:rPr lang="de-AT" dirty="0" err="1"/>
+              <a:t>initalisiert</a:t>
+            </a:r>
+            <a:r>
+              <a:rPr lang="de-AT" dirty="0"/>
+              <a:t>, durch zufällige Wahl von Objekten oder vollständig zufällig  </a:t>
+            </a:r>
+          </a:p>
+          <a:p>
+            <a:pPr lvl="1"/>
+            <a:r>
+              <a:rPr lang="de-AT" dirty="0"/>
+              <a:t>3. Iteration:</a:t>
+            </a:r>
+          </a:p>
+          <a:p>
+            <a:pPr lvl="2"/>
+            <a:r>
+              <a:rPr lang="de-AT" dirty="0"/>
+              <a:t> a. Für jedes Objekt wird der Knoten bestimmt der am nächsten liegt </a:t>
+            </a:r>
+          </a:p>
+          <a:p>
+            <a:pPr lvl="2"/>
+            <a:r>
+              <a:rPr lang="de-AT" dirty="0"/>
+              <a:t>b. alle Referenzvektoren </a:t>
+            </a:r>
+            <a:r>
+              <a:rPr lang="de-AT"/>
+              <a:t>werden aktualisiert</a:t>
+            </a:r>
+            <a:endParaRPr lang="de-AT" dirty="0"/>
+          </a:p>
+          <a:p>
+            <a:pPr lvl="2"/>
+            <a:r>
+              <a:rPr lang="de-AT" dirty="0"/>
+              <a:t>c. </a:t>
+            </a:r>
+            <a:r>
+              <a:rPr lang="de-AT" dirty="0" err="1"/>
+              <a:t>Wiederholunfg</a:t>
+            </a:r>
+            <a:r>
+              <a:rPr lang="de-AT" dirty="0"/>
+              <a:t>: bis keine Veränderung mehr eintritt</a:t>
+            </a:r>
+            <a:endParaRPr lang="de-AT" dirty="0"/>
           </a:p>
         </p:txBody>
       </p:sp>
@@ -6778,8 +6762,8 @@
           <a:lstStyle/>
           <a:p>
             <a:r>
-              <a:rPr lang="de-AT" dirty="0" smtClean="0"/>
-              <a:t>21.12.2016</a:t>
+              <a:rPr lang="de-AT"/>
+              <a:t>27.02.2017</a:t>
             </a:r>
             <a:endParaRPr lang="de-AT" dirty="0"/>
           </a:p>
@@ -6804,6 +6788,711 @@
               <a:rPr lang="de-AT" smtClean="0"/>
               <a:pPr/>
               <a:t>11</a:t>
+            </a:fld>
+            <a:endParaRPr lang="de-AT" dirty="0"/>
+          </a:p>
+        </p:txBody>
+      </p:sp>
+    </p:spTree>
+    <p:extLst>
+      <p:ext uri="{BB962C8B-B14F-4D97-AF65-F5344CB8AC3E}">
+        <p14:creationId xmlns:p14="http://schemas.microsoft.com/office/powerpoint/2010/main" val="4164471788"/>
+      </p:ext>
+    </p:extLst>
+  </p:cSld>
+  <p:clrMapOvr>
+    <a:masterClrMapping/>
+  </p:clrMapOvr>
+</p:sld>
+</file>
+
+<file path=ppt/slides/slide12.xml><?xml version="1.0" encoding="utf-8"?>
+<p:sld xmlns:a="http://schemas.openxmlformats.org/drawingml/2006/main" xmlns:r="http://schemas.openxmlformats.org/officeDocument/2006/relationships" xmlns:p="http://schemas.openxmlformats.org/presentationml/2006/main">
+  <p:cSld>
+    <p:spTree>
+      <p:nvGrpSpPr>
+        <p:cNvPr id="1" name=""/>
+        <p:cNvGrpSpPr/>
+        <p:nvPr/>
+      </p:nvGrpSpPr>
+      <p:grpSpPr>
+        <a:xfrm>
+          <a:off x="0" y="0"/>
+          <a:ext cx="0" cy="0"/>
+          <a:chOff x="0" y="0"/>
+          <a:chExt cx="0" cy="0"/>
+        </a:xfrm>
+      </p:grpSpPr>
+      <p:sp>
+        <p:nvSpPr>
+          <p:cNvPr id="4" name="Titel 3"/>
+          <p:cNvSpPr>
+            <a:spLocks noGrp="1"/>
+          </p:cNvSpPr>
+          <p:nvPr>
+            <p:ph type="title"/>
+          </p:nvPr>
+        </p:nvSpPr>
+        <p:spPr/>
+        <p:txBody>
+          <a:bodyPr/>
+          <a:lstStyle/>
+          <a:p>
+            <a:r>
+              <a:rPr lang="de-AT" dirty="0"/>
+              <a:t>Klassifikation</a:t>
+            </a:r>
+            <a:endParaRPr lang="en-GB" dirty="0"/>
+          </a:p>
+        </p:txBody>
+      </p:sp>
+      <p:sp>
+        <p:nvSpPr>
+          <p:cNvPr id="5" name="Textplatzhalter 4"/>
+          <p:cNvSpPr>
+            <a:spLocks noGrp="1"/>
+          </p:cNvSpPr>
+          <p:nvPr>
+            <p:ph type="body" idx="1"/>
+          </p:nvPr>
+        </p:nvSpPr>
+        <p:spPr/>
+        <p:txBody>
+          <a:bodyPr/>
+          <a:lstStyle/>
+          <a:p>
+            <a:r>
+              <a:rPr lang="de-AT" dirty="0"/>
+              <a:t>Allgemeines und Algorithmen</a:t>
+            </a:r>
+            <a:endParaRPr lang="en-GB" dirty="0"/>
+          </a:p>
+        </p:txBody>
+      </p:sp>
+      <p:sp>
+        <p:nvSpPr>
+          <p:cNvPr id="2" name="Datumsplatzhalter 1"/>
+          <p:cNvSpPr>
+            <a:spLocks noGrp="1"/>
+          </p:cNvSpPr>
+          <p:nvPr>
+            <p:ph type="dt" sz="half" idx="10"/>
+          </p:nvPr>
+        </p:nvSpPr>
+        <p:spPr/>
+        <p:txBody>
+          <a:bodyPr/>
+          <a:lstStyle/>
+          <a:p>
+            <a:r>
+              <a:rPr lang="de-AT" dirty="0"/>
+              <a:t>27.02.2017</a:t>
+            </a:r>
+          </a:p>
+        </p:txBody>
+      </p:sp>
+      <p:sp>
+        <p:nvSpPr>
+          <p:cNvPr id="3" name="Foliennummernplatzhalter 2"/>
+          <p:cNvSpPr>
+            <a:spLocks noGrp="1"/>
+          </p:cNvSpPr>
+          <p:nvPr>
+            <p:ph type="sldNum" sz="quarter" idx="12"/>
+          </p:nvPr>
+        </p:nvSpPr>
+        <p:spPr/>
+        <p:txBody>
+          <a:bodyPr/>
+          <a:lstStyle/>
+          <a:p>
+            <a:fld id="{FCC3EE01-B43B-44F9-94BE-862A999E6EC8}" type="slidenum">
+              <a:rPr lang="de-AT" smtClean="0"/>
+              <a:t>12</a:t>
+            </a:fld>
+            <a:endParaRPr lang="de-AT" dirty="0"/>
+          </a:p>
+        </p:txBody>
+      </p:sp>
+    </p:spTree>
+    <p:extLst>
+      <p:ext uri="{BB962C8B-B14F-4D97-AF65-F5344CB8AC3E}">
+        <p14:creationId xmlns:p14="http://schemas.microsoft.com/office/powerpoint/2010/main" val="4065598139"/>
+      </p:ext>
+    </p:extLst>
+  </p:cSld>
+  <p:clrMapOvr>
+    <a:masterClrMapping/>
+  </p:clrMapOvr>
+</p:sld>
+</file>
+
+<file path=ppt/slides/slide13.xml><?xml version="1.0" encoding="utf-8"?>
+<p:sld xmlns:a="http://schemas.openxmlformats.org/drawingml/2006/main" xmlns:r="http://schemas.openxmlformats.org/officeDocument/2006/relationships" xmlns:p="http://schemas.openxmlformats.org/presentationml/2006/main">
+  <p:cSld>
+    <p:spTree>
+      <p:nvGrpSpPr>
+        <p:cNvPr id="1" name=""/>
+        <p:cNvGrpSpPr/>
+        <p:nvPr/>
+      </p:nvGrpSpPr>
+      <p:grpSpPr>
+        <a:xfrm>
+          <a:off x="0" y="0"/>
+          <a:ext cx="0" cy="0"/>
+          <a:chOff x="0" y="0"/>
+          <a:chExt cx="0" cy="0"/>
+        </a:xfrm>
+      </p:grpSpPr>
+      <p:sp>
+        <p:nvSpPr>
+          <p:cNvPr id="2" name="Titel 1"/>
+          <p:cNvSpPr>
+            <a:spLocks noGrp="1"/>
+          </p:cNvSpPr>
+          <p:nvPr>
+            <p:ph type="title"/>
+          </p:nvPr>
+        </p:nvSpPr>
+        <p:spPr/>
+        <p:txBody>
+          <a:bodyPr/>
+          <a:lstStyle/>
+          <a:p>
+            <a:r>
+              <a:rPr lang="de-AT" dirty="0"/>
+              <a:t>Allgemeines</a:t>
+            </a:r>
+          </a:p>
+        </p:txBody>
+      </p:sp>
+      <mc:AlternateContent xmlns:mc="http://schemas.openxmlformats.org/markup-compatibility/2006">
+        <mc:Choice xmlns:a14="http://schemas.microsoft.com/office/drawing/2010/main" Requires="a14">
+          <p:sp>
+            <p:nvSpPr>
+              <p:cNvPr id="3" name="Inhaltsplatzhalter 2"/>
+              <p:cNvSpPr>
+                <a:spLocks noGrp="1"/>
+              </p:cNvSpPr>
+              <p:nvPr>
+                <p:ph idx="1"/>
+              </p:nvPr>
+            </p:nvSpPr>
+            <p:spPr>
+              <a:xfrm>
+                <a:off x="677334" y="2160589"/>
+                <a:ext cx="7913329" cy="3880773"/>
+              </a:xfrm>
+            </p:spPr>
+            <p:txBody>
+              <a:bodyPr>
+                <a:normAutofit/>
+              </a:bodyPr>
+              <a:lstStyle/>
+              <a:p>
+                <a:r>
+                  <a:rPr lang="de-AT" dirty="0"/>
+                  <a:t>Klassifikation ordnet Daten Klassen zu </a:t>
+                </a:r>
+              </a:p>
+              <a:p>
+                <a:r>
+                  <a:rPr lang="de-AT" dirty="0"/>
+                  <a:t>Klassifikation läuft in 2 Phasen ab </a:t>
+                </a:r>
+              </a:p>
+              <a:p>
+                <a:pPr lvl="1"/>
+                <a:r>
+                  <a:rPr lang="de-AT" dirty="0"/>
+                  <a:t>1. Phase: Anhand Trainingsdaten wird ein Klassenmodell aufgebaut</a:t>
+                </a:r>
+              </a:p>
+              <a:p>
+                <a:pPr lvl="1"/>
+                <a:r>
+                  <a:rPr lang="de-AT" dirty="0"/>
+                  <a:t>2. Phase: Mithilfe des Klassenmodells werden unbekannte Daten zugeordnet</a:t>
+                </a:r>
+              </a:p>
+              <a:p>
+                <a:r>
+                  <a:rPr lang="de-DE" dirty="0"/>
+                  <a:t>D</a:t>
+                </a:r>
+                <a:r>
+                  <a:rPr lang="de-AT" dirty="0" err="1"/>
+                  <a:t>ie</a:t>
+                </a:r>
+                <a:r>
+                  <a:rPr lang="de-AT" dirty="0"/>
+                  <a:t> Klassifikationsgüte wird durch die Fehlerrate bestimmt:</a:t>
+                </a:r>
+              </a:p>
+              <a:p>
+                <a:pPr lvl="1"/>
+                <a14:m>
+                  <m:oMath xmlns:m="http://schemas.openxmlformats.org/officeDocument/2006/math">
+                    <m:r>
+                      <m:rPr>
+                        <m:nor/>
+                      </m:rPr>
+                      <a:rPr lang="de-DE" b="0" i="0" dirty="0" smtClean="0">
+                        <a:latin typeface="Cambria Math" panose="02040503050406030204" pitchFamily="18" charset="0"/>
+                      </a:rPr>
+                      <m:t>true</m:t>
+                    </m:r>
+                    <m:r>
+                      <m:rPr>
+                        <m:nor/>
+                      </m:rPr>
+                      <a:rPr lang="de-DE" b="0" i="0" dirty="0" smtClean="0">
+                        <a:latin typeface="Cambria Math" panose="02040503050406030204" pitchFamily="18" charset="0"/>
+                      </a:rPr>
+                      <m:t> </m:t>
+                    </m:r>
+                    <m:r>
+                      <m:rPr>
+                        <m:nor/>
+                      </m:rPr>
+                      <a:rPr lang="de-DE" i="0" dirty="0" smtClean="0">
+                        <a:latin typeface="Cambria Math" panose="02040503050406030204" pitchFamily="18" charset="0"/>
+                      </a:rPr>
+                      <m:t>e</m:t>
+                    </m:r>
+                    <m:r>
+                      <m:rPr>
+                        <m:nor/>
+                      </m:rPr>
+                      <a:rPr lang="de-DE" b="0" i="0" dirty="0" smtClean="0">
+                        <a:latin typeface="Cambria Math" panose="02040503050406030204" pitchFamily="18" charset="0"/>
+                      </a:rPr>
+                      <m:t>rror</m:t>
+                    </m:r>
+                    <m:r>
+                      <m:rPr>
+                        <m:nor/>
+                      </m:rPr>
+                      <a:rPr lang="de-DE" b="0" i="0" dirty="0" smtClean="0">
+                        <a:latin typeface="Cambria Math" panose="02040503050406030204" pitchFamily="18" charset="0"/>
+                      </a:rPr>
+                      <m:t> </m:t>
+                    </m:r>
+                    <m:r>
+                      <m:rPr>
+                        <m:nor/>
+                      </m:rPr>
+                      <a:rPr lang="de-DE" b="0" i="0" dirty="0" smtClean="0">
+                        <a:latin typeface="Cambria Math" panose="02040503050406030204" pitchFamily="18" charset="0"/>
+                      </a:rPr>
+                      <m:t>rate</m:t>
+                    </m:r>
+                    <m:r>
+                      <a:rPr lang="de-DE" b="0" i="0" smtClean="0">
+                        <a:latin typeface="Cambria Math" panose="02040503050406030204" pitchFamily="18" charset="0"/>
+                      </a:rPr>
+                      <m:t>=</m:t>
+                    </m:r>
+                    <m:f>
+                      <m:fPr>
+                        <m:ctrlPr>
+                          <a:rPr lang="de-AT" i="1" smtClean="0">
+                            <a:latin typeface="Cambria Math" panose="02040503050406030204" pitchFamily="18" charset="0"/>
+                          </a:rPr>
+                        </m:ctrlPr>
+                      </m:fPr>
+                      <m:num>
+                        <m:r>
+                          <m:rPr>
+                            <m:nor/>
+                          </m:rPr>
+                          <a:rPr lang="de-DE" b="0" i="0" smtClean="0">
+                            <a:latin typeface="Cambria Math" panose="02040503050406030204" pitchFamily="18" charset="0"/>
+                          </a:rPr>
+                          <m:t>Anzahl</m:t>
+                        </m:r>
+                        <m:r>
+                          <m:rPr>
+                            <m:nor/>
+                          </m:rPr>
+                          <a:rPr lang="de-DE" b="0" i="0" smtClean="0">
+                            <a:latin typeface="Cambria Math" panose="02040503050406030204" pitchFamily="18" charset="0"/>
+                          </a:rPr>
+                          <m:t> </m:t>
+                        </m:r>
+                        <m:r>
+                          <m:rPr>
+                            <m:nor/>
+                          </m:rPr>
+                          <a:rPr lang="de-DE" b="0" i="0" smtClean="0">
+                            <a:latin typeface="Cambria Math" panose="02040503050406030204" pitchFamily="18" charset="0"/>
+                          </a:rPr>
+                          <m:t>der</m:t>
+                        </m:r>
+                        <m:r>
+                          <m:rPr>
+                            <m:nor/>
+                          </m:rPr>
+                          <a:rPr lang="de-DE" b="0" i="0" smtClean="0">
+                            <a:latin typeface="Cambria Math" panose="02040503050406030204" pitchFamily="18" charset="0"/>
+                          </a:rPr>
+                          <m:t> </m:t>
+                        </m:r>
+                        <m:r>
+                          <m:rPr>
+                            <m:nor/>
+                          </m:rPr>
+                          <a:rPr lang="de-DE" b="0" i="0" smtClean="0">
+                            <a:latin typeface="Cambria Math" panose="02040503050406030204" pitchFamily="18" charset="0"/>
+                          </a:rPr>
+                          <m:t>falsch</m:t>
+                        </m:r>
+                        <m:r>
+                          <m:rPr>
+                            <m:nor/>
+                          </m:rPr>
+                          <a:rPr lang="de-DE" b="0" i="0" smtClean="0">
+                            <a:latin typeface="Cambria Math" panose="02040503050406030204" pitchFamily="18" charset="0"/>
+                          </a:rPr>
+                          <m:t> </m:t>
+                        </m:r>
+                        <m:r>
+                          <m:rPr>
+                            <m:nor/>
+                          </m:rPr>
+                          <a:rPr lang="de-DE" b="0" i="0" smtClean="0">
+                            <a:latin typeface="Cambria Math" panose="02040503050406030204" pitchFamily="18" charset="0"/>
+                          </a:rPr>
+                          <m:t>klassifizerten</m:t>
+                        </m:r>
+                        <m:r>
+                          <m:rPr>
+                            <m:nor/>
+                          </m:rPr>
+                          <a:rPr lang="de-DE" b="0" i="0" smtClean="0">
+                            <a:latin typeface="Cambria Math" panose="02040503050406030204" pitchFamily="18" charset="0"/>
+                          </a:rPr>
+                          <m:t> </m:t>
+                        </m:r>
+                        <m:r>
+                          <m:rPr>
+                            <m:nor/>
+                          </m:rPr>
+                          <a:rPr lang="de-DE" b="0" i="0" smtClean="0">
+                            <a:latin typeface="Cambria Math" panose="02040503050406030204" pitchFamily="18" charset="0"/>
+                          </a:rPr>
+                          <m:t>Objekte</m:t>
+                        </m:r>
+                      </m:num>
+                      <m:den>
+                        <m:r>
+                          <m:rPr>
+                            <m:nor/>
+                          </m:rPr>
+                          <a:rPr lang="de-DE" b="0" i="0" smtClean="0">
+                            <a:latin typeface="Cambria Math" panose="02040503050406030204" pitchFamily="18" charset="0"/>
+                          </a:rPr>
+                          <m:t>alle</m:t>
+                        </m:r>
+                        <m:r>
+                          <m:rPr>
+                            <m:nor/>
+                          </m:rPr>
+                          <a:rPr lang="de-DE" b="0" i="0" smtClean="0">
+                            <a:latin typeface="Cambria Math" panose="02040503050406030204" pitchFamily="18" charset="0"/>
+                          </a:rPr>
+                          <m:t> </m:t>
+                        </m:r>
+                        <m:r>
+                          <m:rPr>
+                            <m:nor/>
+                          </m:rPr>
+                          <a:rPr lang="de-DE" b="0" i="0" smtClean="0">
+                            <a:latin typeface="Cambria Math" panose="02040503050406030204" pitchFamily="18" charset="0"/>
+                          </a:rPr>
+                          <m:t>Objekte</m:t>
+                        </m:r>
+                      </m:den>
+                    </m:f>
+                  </m:oMath>
+                </a14:m>
+                <a:endParaRPr lang="de-AT" dirty="0"/>
+              </a:p>
+              <a:p>
+                <a:pPr lvl="1"/>
+                <a14:m>
+                  <m:oMath xmlns:m="http://schemas.openxmlformats.org/officeDocument/2006/math">
+                    <m:r>
+                      <m:rPr>
+                        <m:nor/>
+                      </m:rPr>
+                      <a:rPr lang="de-DE" dirty="0">
+                        <a:latin typeface="Cambria Math" panose="02040503050406030204" pitchFamily="18" charset="0"/>
+                      </a:rPr>
+                      <m:t>apparent</m:t>
+                    </m:r>
+                    <m:r>
+                      <m:rPr>
+                        <m:nor/>
+                      </m:rPr>
+                      <a:rPr lang="de-DE" dirty="0">
+                        <a:latin typeface="Cambria Math" panose="02040503050406030204" pitchFamily="18" charset="0"/>
+                      </a:rPr>
+                      <m:t> </m:t>
+                    </m:r>
+                    <m:r>
+                      <m:rPr>
+                        <m:nor/>
+                      </m:rPr>
+                      <a:rPr lang="de-DE" dirty="0">
+                        <a:latin typeface="Cambria Math" panose="02040503050406030204" pitchFamily="18" charset="0"/>
+                      </a:rPr>
+                      <m:t>error</m:t>
+                    </m:r>
+                    <m:r>
+                      <m:rPr>
+                        <m:nor/>
+                      </m:rPr>
+                      <a:rPr lang="de-DE" dirty="0">
+                        <a:latin typeface="Cambria Math" panose="02040503050406030204" pitchFamily="18" charset="0"/>
+                      </a:rPr>
+                      <m:t> </m:t>
+                    </m:r>
+                    <m:r>
+                      <m:rPr>
+                        <m:nor/>
+                      </m:rPr>
+                      <a:rPr lang="de-DE" dirty="0">
+                        <a:latin typeface="Cambria Math" panose="02040503050406030204" pitchFamily="18" charset="0"/>
+                      </a:rPr>
+                      <m:t>rate</m:t>
+                    </m:r>
+                    <m:r>
+                      <a:rPr lang="de-DE">
+                        <a:latin typeface="Cambria Math" panose="02040503050406030204" pitchFamily="18" charset="0"/>
+                      </a:rPr>
+                      <m:t>=</m:t>
+                    </m:r>
+                    <m:f>
+                      <m:fPr>
+                        <m:ctrlPr>
+                          <a:rPr lang="de-AT" i="1">
+                            <a:latin typeface="Cambria Math" panose="02040503050406030204" pitchFamily="18" charset="0"/>
+                          </a:rPr>
+                        </m:ctrlPr>
+                      </m:fPr>
+                      <m:num>
+                        <m:r>
+                          <m:rPr>
+                            <m:nor/>
+                          </m:rPr>
+                          <a:rPr lang="de-DE" i="0">
+                            <a:latin typeface="Cambria Math" panose="02040503050406030204" pitchFamily="18" charset="0"/>
+                          </a:rPr>
+                          <m:t>Anzahl</m:t>
+                        </m:r>
+                        <m:r>
+                          <m:rPr>
+                            <m:nor/>
+                          </m:rPr>
+                          <a:rPr lang="de-DE" i="0">
+                            <a:latin typeface="Cambria Math" panose="02040503050406030204" pitchFamily="18" charset="0"/>
+                          </a:rPr>
+                          <m:t> </m:t>
+                        </m:r>
+                        <m:r>
+                          <m:rPr>
+                            <m:nor/>
+                          </m:rPr>
+                          <a:rPr lang="de-DE" i="0">
+                            <a:latin typeface="Cambria Math" panose="02040503050406030204" pitchFamily="18" charset="0"/>
+                          </a:rPr>
+                          <m:t>der</m:t>
+                        </m:r>
+                        <m:r>
+                          <m:rPr>
+                            <m:nor/>
+                          </m:rPr>
+                          <a:rPr lang="de-DE" i="0">
+                            <a:latin typeface="Cambria Math" panose="02040503050406030204" pitchFamily="18" charset="0"/>
+                          </a:rPr>
+                          <m:t> </m:t>
+                        </m:r>
+                        <m:r>
+                          <m:rPr>
+                            <m:nor/>
+                          </m:rPr>
+                          <a:rPr lang="de-DE" i="0">
+                            <a:latin typeface="Cambria Math" panose="02040503050406030204" pitchFamily="18" charset="0"/>
+                          </a:rPr>
+                          <m:t>falsch</m:t>
+                        </m:r>
+                        <m:r>
+                          <m:rPr>
+                            <m:nor/>
+                          </m:rPr>
+                          <a:rPr lang="de-DE" i="0">
+                            <a:latin typeface="Cambria Math" panose="02040503050406030204" pitchFamily="18" charset="0"/>
+                          </a:rPr>
+                          <m:t> </m:t>
+                        </m:r>
+                        <m:r>
+                          <m:rPr>
+                            <m:nor/>
+                          </m:rPr>
+                          <a:rPr lang="de-DE" i="0">
+                            <a:latin typeface="Cambria Math" panose="02040503050406030204" pitchFamily="18" charset="0"/>
+                          </a:rPr>
+                          <m:t>klassifizerten</m:t>
+                        </m:r>
+                        <m:r>
+                          <m:rPr>
+                            <m:nor/>
+                          </m:rPr>
+                          <a:rPr lang="de-DE" i="0">
+                            <a:latin typeface="Cambria Math" panose="02040503050406030204" pitchFamily="18" charset="0"/>
+                          </a:rPr>
+                          <m:t> </m:t>
+                        </m:r>
+                        <m:r>
+                          <m:rPr>
+                            <m:nor/>
+                          </m:rPr>
+                          <a:rPr lang="de-DE" b="0" i="0" smtClean="0">
+                            <a:latin typeface="Cambria Math" panose="02040503050406030204" pitchFamily="18" charset="0"/>
+                          </a:rPr>
+                          <m:t>Trainingsobjekte</m:t>
+                        </m:r>
+                      </m:num>
+                      <m:den>
+                        <m:r>
+                          <m:rPr>
+                            <m:nor/>
+                          </m:rPr>
+                          <a:rPr lang="de-DE">
+                            <a:latin typeface="Cambria Math" panose="02040503050406030204" pitchFamily="18" charset="0"/>
+                          </a:rPr>
+                          <m:t>alle</m:t>
+                        </m:r>
+                        <m:r>
+                          <m:rPr>
+                            <m:nor/>
+                          </m:rPr>
+                          <a:rPr lang="de-DE">
+                            <a:latin typeface="Cambria Math" panose="02040503050406030204" pitchFamily="18" charset="0"/>
+                          </a:rPr>
+                          <m:t> </m:t>
+                        </m:r>
+                        <m:r>
+                          <m:rPr>
+                            <m:nor/>
+                          </m:rPr>
+                          <a:rPr lang="de-DE" b="0" i="0" smtClean="0">
+                            <a:latin typeface="Cambria Math" panose="02040503050406030204" pitchFamily="18" charset="0"/>
+                          </a:rPr>
+                          <m:t>Trainingsobjekte</m:t>
+                        </m:r>
+                        <m:r>
+                          <a:rPr lang="de-DE" b="0" i="1" smtClean="0">
+                            <a:latin typeface="Cambria Math" panose="02040503050406030204" pitchFamily="18" charset="0"/>
+                          </a:rPr>
+                          <m:t> </m:t>
+                        </m:r>
+                      </m:den>
+                    </m:f>
+                  </m:oMath>
+                </a14:m>
+                <a:endParaRPr lang="de-AT" dirty="0"/>
+              </a:p>
+              <a:p>
+                <a:pPr marL="457200" lvl="1" indent="0">
+                  <a:buNone/>
+                </a:pPr>
+                <a:endParaRPr lang="de-AT" dirty="0"/>
+              </a:p>
+            </p:txBody>
+          </p:sp>
+        </mc:Choice>
+        <mc:Fallback>
+          <p:sp>
+            <p:nvSpPr>
+              <p:cNvPr id="3" name="Inhaltsplatzhalter 2"/>
+              <p:cNvSpPr>
+                <a:spLocks noGrp="1" noRot="1" noChangeAspect="1" noMove="1" noResize="1" noEditPoints="1" noAdjustHandles="1" noChangeArrowheads="1" noChangeShapeType="1" noTextEdit="1"/>
+              </p:cNvSpPr>
+              <p:nvPr>
+                <p:ph idx="1"/>
+              </p:nvPr>
+            </p:nvSpPr>
+            <p:spPr>
+              <a:xfrm>
+                <a:off x="677334" y="2160589"/>
+                <a:ext cx="7913329" cy="3880773"/>
+              </a:xfrm>
+              <a:blipFill>
+                <a:blip r:embed="rId2"/>
+                <a:stretch>
+                  <a:fillRect l="-154" t="-942"/>
+                </a:stretch>
+              </a:blipFill>
+            </p:spPr>
+            <p:txBody>
+              <a:bodyPr/>
+              <a:lstStyle/>
+              <a:p>
+                <a:r>
+                  <a:rPr lang="de-AT">
+                    <a:noFill/>
+                  </a:rPr>
+                  <a:t> </a:t>
+                </a:r>
+              </a:p>
+            </p:txBody>
+          </p:sp>
+        </mc:Fallback>
+      </mc:AlternateContent>
+      <p:sp>
+        <p:nvSpPr>
+          <p:cNvPr id="4" name="Datumsplatzhalter 3"/>
+          <p:cNvSpPr>
+            <a:spLocks noGrp="1"/>
+          </p:cNvSpPr>
+          <p:nvPr>
+            <p:ph type="dt" sz="half" idx="10"/>
+          </p:nvPr>
+        </p:nvSpPr>
+        <p:spPr/>
+        <p:txBody>
+          <a:bodyPr/>
+          <a:lstStyle/>
+          <a:p>
+            <a:r>
+              <a:rPr lang="de-AT" dirty="0"/>
+              <a:t>27.02.2017</a:t>
+            </a:r>
+            <a:endParaRPr lang="de-AT" dirty="0"/>
+          </a:p>
+        </p:txBody>
+      </p:sp>
+      <p:sp>
+        <p:nvSpPr>
+          <p:cNvPr id="5" name="Foliennummernplatzhalter 4"/>
+          <p:cNvSpPr>
+            <a:spLocks noGrp="1"/>
+          </p:cNvSpPr>
+          <p:nvPr>
+            <p:ph type="sldNum" sz="quarter" idx="12"/>
+          </p:nvPr>
+        </p:nvSpPr>
+        <p:spPr/>
+        <p:txBody>
+          <a:bodyPr/>
+          <a:lstStyle/>
+          <a:p>
+            <a:fld id="{312B4E99-D005-4436-9A01-D2EF8C8A66E3}" type="slidenum">
+              <a:rPr lang="de-AT" smtClean="0"/>
+              <a:pPr/>
+              <a:t>13</a:t>
             </a:fld>
             <a:endParaRPr lang="de-AT" dirty="0"/>
           </a:p>
@@ -6819,17 +7508,10 @@
   <p:clrMapOvr>
     <a:masterClrMapping/>
   </p:clrMapOvr>
-  <p:timing>
-    <p:tnLst>
-      <p:par>
-        <p:cTn id="1" dur="indefinite" restart="never" nodeType="tmRoot"/>
-      </p:par>
-    </p:tnLst>
-  </p:timing>
 </p:sld>
 </file>
 
-<file path=ppt/slides/slide12.xml><?xml version="1.0" encoding="utf-8"?>
+<file path=ppt/slides/slide14.xml><?xml version="1.0" encoding="utf-8"?>
 <p:sld xmlns:a="http://schemas.openxmlformats.org/drawingml/2006/main" xmlns:r="http://schemas.openxmlformats.org/officeDocument/2006/relationships" xmlns:p="http://schemas.openxmlformats.org/presentationml/2006/main">
   <p:cSld>
     <p:spTree>
@@ -6897,34 +7579,30 @@
               <a:lstStyle/>
               <a:p>
                 <a:r>
-                  <a:rPr lang="de-AT" dirty="0" smtClean="0"/>
+                  <a:rPr lang="de-AT" dirty="0"/>
                   <a:t>Der Algorithmus wird </a:t>
                 </a:r>
                 <a:r>
-                  <a:rPr lang="de-AT" i="1" dirty="0" smtClean="0"/>
+                  <a:rPr lang="de-AT" i="1" dirty="0"/>
                   <a:t>naiver </a:t>
                 </a:r>
                 <a:r>
-                  <a:rPr lang="de-AT" dirty="0" err="1" smtClean="0"/>
+                  <a:rPr lang="de-AT" dirty="0" err="1"/>
                   <a:t>Bayes-Klassifikator</a:t>
                 </a:r>
                 <a:r>
-                  <a:rPr lang="de-AT" i="1" dirty="0" smtClean="0"/>
+                  <a:rPr lang="de-AT" i="1" dirty="0"/>
                   <a:t> </a:t>
                 </a:r>
                 <a:r>
-                  <a:rPr lang="de-AT" dirty="0" smtClean="0"/>
+                  <a:rPr lang="de-AT" dirty="0"/>
                   <a:t>genannt</a:t>
                 </a:r>
               </a:p>
               <a:p>
                 <a:r>
-                  <a:rPr lang="de-AT" dirty="0" smtClean="0"/>
-                  <a:t>Satz </a:t>
-                </a:r>
-                <a:r>
                   <a:rPr lang="de-AT" dirty="0"/>
-                  <a:t>von </a:t>
+                  <a:t>Berechnung der Wahrscheinlichkeiten mit Hilfe des Satz von </a:t>
                 </a:r>
                 <a:r>
                   <a:rPr lang="de-AT" dirty="0" err="1"/>
@@ -6932,8 +7610,11 @@
                 </a:r>
                 <a:r>
                   <a:rPr lang="de-AT" dirty="0"/>
-                  <a:t>: </a:t>
+                  <a:t>:</a:t>
                 </a:r>
+              </a:p>
+              <a:p>
+                <a:pPr lvl="1"/>
                 <a14:m>
                   <m:oMath xmlns:m="http://schemas.openxmlformats.org/officeDocument/2006/math">
                     <m:r>
@@ -6985,7 +7666,7 @@
                       <m:fPr>
                         <m:ctrlPr>
                           <a:rPr lang="de-AT" i="1">
-                            <a:latin typeface="Cambria Math" charset="0"/>
+                            <a:latin typeface="Cambria Math" panose="02040503050406030204" pitchFamily="18" charset="0"/>
                           </a:rPr>
                         </m:ctrlPr>
                       </m:fPr>
@@ -7080,63 +7761,23 @@
                     </m:f>
                   </m:oMath>
                 </a14:m>
-                <a:endParaRPr lang="de-AT" i="1" dirty="0" smtClean="0"/>
+                <a:endParaRPr lang="de-AT" i="1" dirty="0"/>
               </a:p>
               <a:p>
                 <a:r>
-                  <a:rPr lang="de-AT" dirty="0" smtClean="0"/>
-                  <a:t>Eigenschaften</a:t>
+                  <a:rPr lang="de-DE" dirty="0"/>
+                  <a:t>Annahme: Eigenschaften sind unabhängig</a:t>
                 </a:r>
+                <a:endParaRPr lang="de-AT" dirty="0"/>
+              </a:p>
+              <a:p>
                 <a:r>
-                  <a:rPr lang="de-AT" i="1" dirty="0" smtClean="0"/>
-                  <a:t>:</a:t>
+                  <a:rPr lang="de-AT" dirty="0"/>
+                  <a:t>Nicht sehr effizient im vergleich zur Anzahl der Trainingsdaten</a:t>
                 </a:r>
               </a:p>
               <a:p>
-                <a:pPr lvl="1"/>
-                <a:r>
-                  <a:rPr lang="de-AT" dirty="0" smtClean="0"/>
-                  <a:t>Ein Objekt wird einer Klasse zugewiesen, </a:t>
-                </a:r>
-                <a:r>
-                  <a:rPr lang="de-AT" dirty="0"/>
-                  <a:t>wenn die </a:t>
-                </a:r>
-                <a:r>
-                  <a:rPr lang="de-AT" dirty="0" smtClean="0"/>
-                  <a:t>Wahrscheinlichkeit ein </a:t>
-                </a:r>
-                <a:r>
-                  <a:rPr lang="de-AT" dirty="0"/>
-                  <a:t>Maximum </a:t>
-                </a:r>
-                <a:r>
-                  <a:rPr lang="de-AT" dirty="0" smtClean="0"/>
-                  <a:t>darstellt</a:t>
-                </a:r>
-              </a:p>
-              <a:p>
-                <a:pPr lvl="1"/>
-                <a:r>
-                  <a:rPr lang="de-AT" dirty="0" smtClean="0"/>
-                  <a:t>Wahrscheinlichkeit wird anhand der Trainingsdaten bestimmt</a:t>
-                </a:r>
-              </a:p>
-              <a:p>
-                <a:pPr lvl="1"/>
-                <a:r>
-                  <a:rPr lang="de-AT" dirty="0" smtClean="0"/>
-                  <a:t>Annahme: die Attribute sind unabhängig</a:t>
-                </a:r>
-              </a:p>
-              <a:p>
-                <a:r>
-                  <a:rPr lang="de-AT" dirty="0" smtClean="0"/>
-                  <a:t>Nicht sehr effizient</a:t>
-                </a:r>
-              </a:p>
-              <a:p>
-                <a:endParaRPr lang="de-AT" dirty="0" smtClean="0"/>
+                <a:endParaRPr lang="de-AT" dirty="0"/>
               </a:p>
               <a:p>
                 <a:endParaRPr lang="de-AT" dirty="0"/>
@@ -7160,7 +7801,7 @@
                 <a:off x="677334" y="2173289"/>
                 <a:ext cx="7502839" cy="3880773"/>
               </a:xfrm>
-              <a:blipFill rotWithShape="0">
+              <a:blipFill>
                 <a:blip r:embed="rId2"/>
                 <a:stretch>
                   <a:fillRect l="-162" t="-1101"/>
@@ -7172,7 +7813,7 @@
               <a:lstStyle/>
               <a:p>
                 <a:r>
-                  <a:rPr lang="de-DE">
+                  <a:rPr lang="de-AT">
                     <a:noFill/>
                   </a:rPr>
                   <a:t> </a:t>
@@ -7198,8 +7839,8 @@
           <a:lstStyle/>
           <a:p>
             <a:r>
-              <a:rPr lang="de-AT" smtClean="0"/>
-              <a:t>21.12.2016</a:t>
+              <a:rPr lang="de-AT" dirty="0"/>
+              <a:t>27.02.2017</a:t>
             </a:r>
             <a:endParaRPr lang="de-AT" dirty="0"/>
           </a:p>
@@ -7223,7 +7864,7 @@
             <a:fld id="{312B4E99-D005-4436-9A01-D2EF8C8A66E3}" type="slidenum">
               <a:rPr lang="de-AT" smtClean="0"/>
               <a:pPr/>
-              <a:t>12</a:t>
+              <a:t>14</a:t>
             </a:fld>
             <a:endParaRPr lang="de-AT" dirty="0"/>
           </a:p>
@@ -7239,417 +7880,6 @@
   <p:clrMapOvr>
     <a:masterClrMapping/>
   </p:clrMapOvr>
-  <p:timing>
-    <p:tnLst>
-      <p:par>
-        <p:cTn id="1" dur="indefinite" restart="never" nodeType="tmRoot"/>
-      </p:par>
-    </p:tnLst>
-  </p:timing>
-</p:sld>
-</file>
-
-<file path=ppt/slides/slide13.xml><?xml version="1.0" encoding="utf-8"?>
-<p:sld xmlns:a="http://schemas.openxmlformats.org/drawingml/2006/main" xmlns:r="http://schemas.openxmlformats.org/officeDocument/2006/relationships" xmlns:p="http://schemas.openxmlformats.org/presentationml/2006/main">
-  <p:cSld>
-    <p:spTree>
-      <p:nvGrpSpPr>
-        <p:cNvPr id="1" name=""/>
-        <p:cNvGrpSpPr/>
-        <p:nvPr/>
-      </p:nvGrpSpPr>
-      <p:grpSpPr>
-        <a:xfrm>
-          <a:off x="0" y="0"/>
-          <a:ext cx="0" cy="0"/>
-          <a:chOff x="0" y="0"/>
-          <a:chExt cx="0" cy="0"/>
-        </a:xfrm>
-      </p:grpSpPr>
-      <p:sp>
-        <p:nvSpPr>
-          <p:cNvPr id="2" name="Titel 1"/>
-          <p:cNvSpPr>
-            <a:spLocks noGrp="1"/>
-          </p:cNvSpPr>
-          <p:nvPr>
-            <p:ph type="title"/>
-          </p:nvPr>
-        </p:nvSpPr>
-        <p:spPr/>
-        <p:txBody>
-          <a:bodyPr/>
-          <a:lstStyle/>
-          <a:p>
-            <a:r>
-              <a:rPr lang="de-DE" dirty="0" err="1" smtClean="0"/>
-              <a:t>Bayes</a:t>
-            </a:r>
-            <a:r>
-              <a:rPr lang="de-DE" dirty="0" smtClean="0"/>
-              <a:t>-Klassifikation</a:t>
-            </a:r>
-            <a:endParaRPr lang="de-DE" dirty="0"/>
-          </a:p>
-        </p:txBody>
-      </p:sp>
-      <p:sp>
-        <p:nvSpPr>
-          <p:cNvPr id="3" name="Inhaltsplatzhalter 2"/>
-          <p:cNvSpPr>
-            <a:spLocks noGrp="1"/>
-          </p:cNvSpPr>
-          <p:nvPr>
-            <p:ph idx="1"/>
-          </p:nvPr>
-        </p:nvSpPr>
-        <p:spPr/>
-        <p:txBody>
-          <a:bodyPr/>
-          <a:lstStyle/>
-          <a:p>
-            <a:r>
-              <a:rPr lang="de-DE" dirty="0" smtClean="0"/>
-              <a:t>Ablauf:</a:t>
-            </a:r>
-          </a:p>
-          <a:p>
-            <a:pPr lvl="1"/>
-            <a:r>
-              <a:rPr lang="de-DE" dirty="0" smtClean="0"/>
-              <a:t>Bildung eines Klassenmodells anhand der Trainingsdaten</a:t>
-            </a:r>
-          </a:p>
-          <a:p>
-            <a:pPr lvl="1"/>
-            <a:r>
-              <a:rPr lang="de-DE" dirty="0" smtClean="0"/>
-              <a:t>Zuordnung der einzelnen Objekte mit Hilfe der Trainingsdaten bezugnehmend auf deren </a:t>
-            </a:r>
-            <a:r>
-              <a:rPr lang="de-DE" dirty="0" err="1" smtClean="0"/>
-              <a:t>Klassenwarscheindlichkeiten</a:t>
-            </a:r>
-            <a:endParaRPr lang="de-DE" dirty="0" smtClean="0"/>
-          </a:p>
-          <a:p>
-            <a:pPr lvl="1"/>
-            <a:r>
-              <a:rPr lang="de-DE" dirty="0" smtClean="0"/>
-              <a:t>Wenn die Objekte vollständig zugeordnet sind, stoppt der Algorithmus </a:t>
-            </a:r>
-            <a:endParaRPr lang="de-DE" dirty="0"/>
-          </a:p>
-        </p:txBody>
-      </p:sp>
-      <p:sp>
-        <p:nvSpPr>
-          <p:cNvPr id="4" name="Datumsplatzhalter 3"/>
-          <p:cNvSpPr>
-            <a:spLocks noGrp="1"/>
-          </p:cNvSpPr>
-          <p:nvPr>
-            <p:ph type="dt" sz="half" idx="10"/>
-          </p:nvPr>
-        </p:nvSpPr>
-        <p:spPr/>
-        <p:txBody>
-          <a:bodyPr/>
-          <a:lstStyle/>
-          <a:p>
-            <a:r>
-              <a:rPr lang="de-AT" smtClean="0"/>
-              <a:t>21.12.2016</a:t>
-            </a:r>
-            <a:endParaRPr lang="de-AT" dirty="0"/>
-          </a:p>
-        </p:txBody>
-      </p:sp>
-      <p:sp>
-        <p:nvSpPr>
-          <p:cNvPr id="5" name="Foliennummernplatzhalter 4"/>
-          <p:cNvSpPr>
-            <a:spLocks noGrp="1"/>
-          </p:cNvSpPr>
-          <p:nvPr>
-            <p:ph type="sldNum" sz="quarter" idx="12"/>
-          </p:nvPr>
-        </p:nvSpPr>
-        <p:spPr/>
-        <p:txBody>
-          <a:bodyPr/>
-          <a:lstStyle/>
-          <a:p>
-            <a:fld id="{312B4E99-D005-4436-9A01-D2EF8C8A66E3}" type="slidenum">
-              <a:rPr lang="de-AT" smtClean="0"/>
-              <a:pPr/>
-              <a:t>13</a:t>
-            </a:fld>
-            <a:endParaRPr lang="de-AT" dirty="0"/>
-          </a:p>
-        </p:txBody>
-      </p:sp>
-    </p:spTree>
-    <p:extLst>
-      <p:ext uri="{BB962C8B-B14F-4D97-AF65-F5344CB8AC3E}">
-        <p14:creationId xmlns:p14="http://schemas.microsoft.com/office/powerpoint/2010/main" val="2082805742"/>
-      </p:ext>
-    </p:extLst>
-  </p:cSld>
-  <p:clrMapOvr>
-    <a:masterClrMapping/>
-  </p:clrMapOvr>
-</p:sld>
-</file>
-
-<file path=ppt/slides/slide14.xml><?xml version="1.0" encoding="utf-8"?>
-<p:sld xmlns:a="http://schemas.openxmlformats.org/drawingml/2006/main" xmlns:r="http://schemas.openxmlformats.org/officeDocument/2006/relationships" xmlns:p="http://schemas.openxmlformats.org/presentationml/2006/main">
-  <p:cSld>
-    <p:spTree>
-      <p:nvGrpSpPr>
-        <p:cNvPr id="1" name=""/>
-        <p:cNvGrpSpPr/>
-        <p:nvPr/>
-      </p:nvGrpSpPr>
-      <p:grpSpPr>
-        <a:xfrm>
-          <a:off x="0" y="0"/>
-          <a:ext cx="0" cy="0"/>
-          <a:chOff x="0" y="0"/>
-          <a:chExt cx="0" cy="0"/>
-        </a:xfrm>
-      </p:grpSpPr>
-      <p:sp>
-        <p:nvSpPr>
-          <p:cNvPr id="2" name="Titel 1"/>
-          <p:cNvSpPr>
-            <a:spLocks noGrp="1"/>
-          </p:cNvSpPr>
-          <p:nvPr>
-            <p:ph type="title"/>
-          </p:nvPr>
-        </p:nvSpPr>
-        <p:spPr/>
-        <p:txBody>
-          <a:bodyPr/>
-          <a:lstStyle/>
-          <a:p>
-            <a:r>
-              <a:rPr lang="de-AT" dirty="0"/>
-              <a:t>Entscheidungsbäume</a:t>
-            </a:r>
-          </a:p>
-        </p:txBody>
-      </p:sp>
-      <p:sp>
-        <p:nvSpPr>
-          <p:cNvPr id="3" name="Inhaltsplatzhalter 2"/>
-          <p:cNvSpPr>
-            <a:spLocks noGrp="1"/>
-          </p:cNvSpPr>
-          <p:nvPr>
-            <p:ph idx="1"/>
-          </p:nvPr>
-        </p:nvSpPr>
-        <p:spPr>
-          <a:xfrm>
-            <a:off x="677333" y="2160588"/>
-            <a:ext cx="9180000" cy="3888000"/>
-          </a:xfrm>
-        </p:spPr>
-        <p:txBody>
-          <a:bodyPr>
-            <a:normAutofit/>
-          </a:bodyPr>
-          <a:lstStyle/>
-          <a:p>
-            <a:r>
-              <a:rPr lang="de-AT" dirty="0" smtClean="0"/>
-              <a:t>Klassifikation anhand von (binären) Baumstrukturen </a:t>
-            </a:r>
-          </a:p>
-          <a:p>
-            <a:r>
-              <a:rPr lang="de-AT" dirty="0" smtClean="0"/>
-              <a:t>Der Wurzelknoten wird schrittweise zerlegt und in Blätter eingeteilt</a:t>
-            </a:r>
-            <a:endParaRPr lang="de-AT" dirty="0"/>
-          </a:p>
-          <a:p>
-            <a:r>
-              <a:rPr lang="de-AT" dirty="0" smtClean="0"/>
-              <a:t>Durch verfrühte Konvergenz wird kein vollständiger Baum aufgebaut </a:t>
-            </a:r>
-            <a:r>
-              <a:rPr lang="de-AT" dirty="0" smtClean="0">
-                <a:sym typeface="Wingdings" panose="05000000000000000000" pitchFamily="2" charset="2"/>
-              </a:rPr>
-              <a:t> </a:t>
-            </a:r>
-            <a:r>
-              <a:rPr lang="de-AT" dirty="0" err="1" smtClean="0">
-                <a:sym typeface="Wingdings" panose="05000000000000000000" pitchFamily="2" charset="2"/>
-              </a:rPr>
-              <a:t>Overfitting</a:t>
-            </a:r>
-            <a:r>
-              <a:rPr lang="de-AT" dirty="0" smtClean="0">
-                <a:sym typeface="Wingdings" panose="05000000000000000000" pitchFamily="2" charset="2"/>
-              </a:rPr>
-              <a:t> </a:t>
-            </a:r>
-          </a:p>
-          <a:p>
-            <a:r>
-              <a:rPr lang="de-AT" dirty="0" err="1" smtClean="0">
-                <a:sym typeface="Wingdings" panose="05000000000000000000" pitchFamily="2" charset="2"/>
-              </a:rPr>
-              <a:t>Pruning</a:t>
-            </a:r>
-            <a:r>
-              <a:rPr lang="de-AT" dirty="0" smtClean="0">
-                <a:sym typeface="Wingdings" panose="05000000000000000000" pitchFamily="2" charset="2"/>
-              </a:rPr>
-              <a:t>:</a:t>
-            </a:r>
-          </a:p>
-          <a:p>
-            <a:pPr lvl="1"/>
-            <a:r>
-              <a:rPr lang="de-AT" dirty="0" err="1" smtClean="0">
-                <a:sym typeface="Wingdings" panose="05000000000000000000" pitchFamily="2" charset="2"/>
-              </a:rPr>
-              <a:t>Pre-Pruning</a:t>
-            </a:r>
-            <a:r>
-              <a:rPr lang="de-AT" dirty="0" smtClean="0">
-                <a:sym typeface="Wingdings" panose="05000000000000000000" pitchFamily="2" charset="2"/>
-              </a:rPr>
-              <a:t>: Aufbau wird vorzeitig gestoppt </a:t>
-            </a:r>
-          </a:p>
-          <a:p>
-            <a:pPr lvl="1"/>
-            <a:r>
-              <a:rPr lang="de-AT" dirty="0" smtClean="0">
-                <a:sym typeface="Wingdings" panose="05000000000000000000" pitchFamily="2" charset="2"/>
-              </a:rPr>
-              <a:t>Post-</a:t>
-            </a:r>
-            <a:r>
-              <a:rPr lang="de-AT" dirty="0" err="1" smtClean="0">
-                <a:sym typeface="Wingdings" panose="05000000000000000000" pitchFamily="2" charset="2"/>
-              </a:rPr>
-              <a:t>Pruning</a:t>
-            </a:r>
-            <a:r>
-              <a:rPr lang="de-AT" dirty="0" smtClean="0">
-                <a:sym typeface="Wingdings" panose="05000000000000000000" pitchFamily="2" charset="2"/>
-              </a:rPr>
-              <a:t>: Baum wird vereinfacht (Knoten durch Blätter ersetzt)</a:t>
-            </a:r>
-          </a:p>
-          <a:p>
-            <a:endParaRPr lang="de-AT" dirty="0" smtClean="0">
-              <a:sym typeface="Wingdings" panose="05000000000000000000" pitchFamily="2" charset="2"/>
-            </a:endParaRPr>
-          </a:p>
-          <a:p>
-            <a:pPr lvl="1"/>
-            <a:endParaRPr lang="de-AT" dirty="0">
-              <a:sym typeface="Wingdings" panose="05000000000000000000" pitchFamily="2" charset="2"/>
-            </a:endParaRPr>
-          </a:p>
-        </p:txBody>
-      </p:sp>
-      <p:pic>
-        <p:nvPicPr>
-          <p:cNvPr id="4" name="Grafik 3"/>
-          <p:cNvPicPr>
-            <a:picLocks noChangeAspect="1"/>
-          </p:cNvPicPr>
-          <p:nvPr/>
-        </p:nvPicPr>
-        <p:blipFill>
-          <a:blip r:embed="rId2"/>
-          <a:stretch>
-            <a:fillRect/>
-          </a:stretch>
-        </p:blipFill>
-        <p:spPr>
-          <a:xfrm>
-            <a:off x="677332" y="4499554"/>
-            <a:ext cx="6388004" cy="2222522"/>
-          </a:xfrm>
-          <a:prstGeom prst="rect">
-            <a:avLst/>
-          </a:prstGeom>
-        </p:spPr>
-      </p:pic>
-      <p:sp>
-        <p:nvSpPr>
-          <p:cNvPr id="5" name="Datumsplatzhalter 4"/>
-          <p:cNvSpPr>
-            <a:spLocks noGrp="1"/>
-          </p:cNvSpPr>
-          <p:nvPr>
-            <p:ph type="dt" sz="half" idx="10"/>
-          </p:nvPr>
-        </p:nvSpPr>
-        <p:spPr/>
-        <p:txBody>
-          <a:bodyPr/>
-          <a:lstStyle/>
-          <a:p>
-            <a:r>
-              <a:rPr lang="de-AT" smtClean="0"/>
-              <a:t>21.12.2016</a:t>
-            </a:r>
-            <a:endParaRPr lang="de-AT" dirty="0"/>
-          </a:p>
-        </p:txBody>
-      </p:sp>
-      <p:sp>
-        <p:nvSpPr>
-          <p:cNvPr id="6" name="Foliennummernplatzhalter 5"/>
-          <p:cNvSpPr>
-            <a:spLocks noGrp="1"/>
-          </p:cNvSpPr>
-          <p:nvPr>
-            <p:ph type="sldNum" sz="quarter" idx="12"/>
-          </p:nvPr>
-        </p:nvSpPr>
-        <p:spPr/>
-        <p:txBody>
-          <a:bodyPr/>
-          <a:lstStyle/>
-          <a:p>
-            <a:fld id="{312B4E99-D005-4436-9A01-D2EF8C8A66E3}" type="slidenum">
-              <a:rPr lang="de-AT" smtClean="0"/>
-              <a:pPr/>
-              <a:t>14</a:t>
-            </a:fld>
-            <a:endParaRPr lang="de-AT" dirty="0"/>
-          </a:p>
-        </p:txBody>
-      </p:sp>
-    </p:spTree>
-    <p:extLst>
-      <p:ext uri="{BB962C8B-B14F-4D97-AF65-F5344CB8AC3E}">
-        <p14:creationId xmlns:p14="http://schemas.microsoft.com/office/powerpoint/2010/main" val="1977162425"/>
-      </p:ext>
-    </p:extLst>
-  </p:cSld>
-  <p:clrMapOvr>
-    <a:masterClrMapping/>
-  </p:clrMapOvr>
-  <p:timing>
-    <p:tnLst>
-      <p:par>
-        <p:cTn id="1" dur="indefinite" restart="never" nodeType="tmRoot"/>
-      </p:par>
-    </p:tnLst>
-  </p:timing>
 </p:sld>
 </file>
 
@@ -7686,8 +7916,62 @@
           <a:lstStyle/>
           <a:p>
             <a:r>
-              <a:rPr lang="de-DE" dirty="0" smtClean="0"/>
-              <a:t>Entscheidungsbäume</a:t>
+              <a:rPr lang="de-DE" dirty="0" err="1"/>
+              <a:t>Bayes</a:t>
+            </a:r>
+            <a:r>
+              <a:rPr lang="de-DE" dirty="0"/>
+              <a:t>-Klassifikation</a:t>
+            </a:r>
+          </a:p>
+        </p:txBody>
+      </p:sp>
+      <p:sp>
+        <p:nvSpPr>
+          <p:cNvPr id="3" name="Inhaltsplatzhalter 2"/>
+          <p:cNvSpPr>
+            <a:spLocks noGrp="1"/>
+          </p:cNvSpPr>
+          <p:nvPr>
+            <p:ph idx="1"/>
+          </p:nvPr>
+        </p:nvSpPr>
+        <p:spPr/>
+        <p:txBody>
+          <a:bodyPr/>
+          <a:lstStyle/>
+          <a:p>
+            <a:r>
+              <a:rPr lang="de-DE" dirty="0"/>
+              <a:t>Ablauf:</a:t>
+            </a:r>
+          </a:p>
+          <a:p>
+            <a:pPr lvl="1"/>
+            <a:r>
+              <a:rPr lang="de-AT" dirty="0"/>
+              <a:t>Die Daten werden in Test- und Trainingsdaten aufgeteilt</a:t>
+            </a:r>
+          </a:p>
+          <a:p>
+            <a:pPr lvl="1"/>
+            <a:r>
+              <a:rPr lang="de-AT" dirty="0"/>
+              <a:t>Für jedes Objekt in den Trainingsdaten die Wahrscheinlichkeit für die jeweilige klasse berechnet</a:t>
+            </a:r>
+          </a:p>
+          <a:p>
+            <a:pPr lvl="1"/>
+            <a:r>
+              <a:rPr lang="de-AT" dirty="0"/>
+              <a:t>Die Klassenwahrscheinlichkeit wird ermittelt</a:t>
+            </a:r>
+          </a:p>
+          <a:p>
+            <a:pPr lvl="1"/>
+            <a:r>
+              <a:rPr lang="de-AT" dirty="0"/>
+              <a:t>Für jedes Objekt in den Testdaten die Wahrscheinlichkeit zu welcher Klasse es angehört berechnet</a:t>
             </a:r>
             <a:endParaRPr lang="de-DE" dirty="0"/>
           </a:p>
@@ -7695,74 +7979,6 @@
       </p:sp>
       <p:sp>
         <p:nvSpPr>
-          <p:cNvPr id="3" name="Inhaltsplatzhalter 2"/>
-          <p:cNvSpPr>
-            <a:spLocks noGrp="1"/>
-          </p:cNvSpPr>
-          <p:nvPr>
-            <p:ph idx="1"/>
-          </p:nvPr>
-        </p:nvSpPr>
-        <p:spPr/>
-        <p:txBody>
-          <a:bodyPr/>
-          <a:lstStyle/>
-          <a:p>
-            <a:r>
-              <a:rPr lang="de-DE" dirty="0" smtClean="0"/>
-              <a:t>Ablauf:</a:t>
-            </a:r>
-          </a:p>
-          <a:p>
-            <a:pPr lvl="1"/>
-            <a:r>
-              <a:rPr lang="de-DE" dirty="0" smtClean="0"/>
-              <a:t>Bildung der Wurzel und des Baumes anhand der Trainingsdaten</a:t>
-            </a:r>
-          </a:p>
-          <a:p>
-            <a:pPr lvl="1"/>
-            <a:r>
-              <a:rPr lang="de-DE" dirty="0" smtClean="0"/>
-              <a:t>Zuordnung von Testes zu den Blättern </a:t>
-            </a:r>
-          </a:p>
-          <a:p>
-            <a:pPr lvl="1"/>
-            <a:r>
-              <a:rPr lang="de-DE" dirty="0" smtClean="0"/>
-              <a:t>Bildung von Teilmengen </a:t>
-            </a:r>
-          </a:p>
-          <a:p>
-            <a:pPr lvl="1"/>
-            <a:r>
-              <a:rPr lang="de-DE" dirty="0" smtClean="0"/>
-              <a:t>Aufspaltung der Testmenge mit Hilfe des Baumes</a:t>
-            </a:r>
-          </a:p>
-          <a:p>
-            <a:pPr lvl="1"/>
-            <a:r>
-              <a:rPr lang="de-DE" dirty="0" smtClean="0"/>
-              <a:t>Erzeugung von Blättern von der selben Klasse</a:t>
-            </a:r>
-          </a:p>
-          <a:p>
-            <a:pPr lvl="1"/>
-            <a:r>
-              <a:rPr lang="de-DE" dirty="0" smtClean="0"/>
-              <a:t>Rekursive Vorgangsweise durch den baum bis keine Zuordnung mehr möglich ist.</a:t>
-            </a:r>
-          </a:p>
-          <a:p>
-            <a:pPr lvl="1"/>
-            <a:endParaRPr lang="de-DE" dirty="0"/>
-          </a:p>
-        </p:txBody>
-      </p:sp>
-      <p:sp>
-        <p:nvSpPr>
           <p:cNvPr id="4" name="Datumsplatzhalter 3"/>
           <p:cNvSpPr>
             <a:spLocks noGrp="1"/>
@@ -7777,8 +7993,8 @@
           <a:lstStyle/>
           <a:p>
             <a:r>
-              <a:rPr lang="de-AT" smtClean="0"/>
-              <a:t>21.12.2016</a:t>
+              <a:rPr lang="de-AT" dirty="0"/>
+              <a:t>27.02.2017</a:t>
             </a:r>
             <a:endParaRPr lang="de-AT" dirty="0"/>
           </a:p>
@@ -7811,7 +8027,7 @@
     </p:spTree>
     <p:extLst>
       <p:ext uri="{BB962C8B-B14F-4D97-AF65-F5344CB8AC3E}">
-        <p14:creationId xmlns:p14="http://schemas.microsoft.com/office/powerpoint/2010/main" val="1282769292"/>
+        <p14:creationId xmlns:p14="http://schemas.microsoft.com/office/powerpoint/2010/main" val="2082805742"/>
       </p:ext>
     </p:extLst>
   </p:cSld>
@@ -7854,14 +8070,470 @@
           <a:lstStyle/>
           <a:p>
             <a:r>
-              <a:rPr lang="en-GB" dirty="0" smtClean="0"/>
+              <a:rPr lang="de-AT" dirty="0"/>
+              <a:t>Entscheidungsbäume</a:t>
+            </a:r>
+          </a:p>
+        </p:txBody>
+      </p:sp>
+      <p:sp>
+        <p:nvSpPr>
+          <p:cNvPr id="3" name="Inhaltsplatzhalter 2"/>
+          <p:cNvSpPr>
+            <a:spLocks noGrp="1"/>
+          </p:cNvSpPr>
+          <p:nvPr>
+            <p:ph idx="1"/>
+          </p:nvPr>
+        </p:nvSpPr>
+        <p:spPr>
+          <a:xfrm>
+            <a:off x="677333" y="2160588"/>
+            <a:ext cx="9180000" cy="3888000"/>
+          </a:xfrm>
+        </p:spPr>
+        <p:txBody>
+          <a:bodyPr>
+            <a:normAutofit/>
+          </a:bodyPr>
+          <a:lstStyle/>
+          <a:p>
+            <a:r>
+              <a:rPr lang="de-AT" dirty="0"/>
+              <a:t>Klassifikation anhand von (binären) Baumstrukturen </a:t>
+            </a:r>
+          </a:p>
+          <a:p>
+            <a:r>
+              <a:rPr lang="de-DE" dirty="0"/>
+              <a:t>Die Daten werden mithilfe von Tests aufgeteilt (</a:t>
+            </a:r>
+            <a:r>
+              <a:rPr lang="de-DE" dirty="0" err="1"/>
+              <a:t>gain</a:t>
+            </a:r>
+            <a:r>
+              <a:rPr lang="de-DE" dirty="0"/>
+              <a:t> </a:t>
+            </a:r>
+            <a:r>
+              <a:rPr lang="de-DE" dirty="0" err="1"/>
+              <a:t>ratio</a:t>
+            </a:r>
+            <a:r>
+              <a:rPr lang="de-DE" dirty="0"/>
+              <a:t>)</a:t>
+            </a:r>
+            <a:endParaRPr lang="de-AT" dirty="0"/>
+          </a:p>
+          <a:p>
+            <a:r>
+              <a:rPr lang="de-AT" dirty="0"/>
+              <a:t>Es wird kein vollständiger Baum aufgebaut </a:t>
+            </a:r>
+            <a:r>
+              <a:rPr lang="de-AT" dirty="0">
+                <a:sym typeface="Wingdings" panose="05000000000000000000" pitchFamily="2" charset="2"/>
+              </a:rPr>
+              <a:t> </a:t>
+            </a:r>
+            <a:r>
+              <a:rPr lang="de-AT" dirty="0" err="1">
+                <a:sym typeface="Wingdings" panose="05000000000000000000" pitchFamily="2" charset="2"/>
+              </a:rPr>
+              <a:t>Overfitting</a:t>
+            </a:r>
+            <a:r>
+              <a:rPr lang="de-AT" dirty="0">
+                <a:sym typeface="Wingdings" panose="05000000000000000000" pitchFamily="2" charset="2"/>
+              </a:rPr>
+              <a:t> </a:t>
+            </a:r>
+          </a:p>
+          <a:p>
+            <a:r>
+              <a:rPr lang="de-AT" dirty="0" err="1">
+                <a:sym typeface="Wingdings" panose="05000000000000000000" pitchFamily="2" charset="2"/>
+              </a:rPr>
+              <a:t>Pruning</a:t>
+            </a:r>
+            <a:r>
+              <a:rPr lang="de-AT" dirty="0">
+                <a:sym typeface="Wingdings" panose="05000000000000000000" pitchFamily="2" charset="2"/>
+              </a:rPr>
+              <a:t>:</a:t>
+            </a:r>
+          </a:p>
+          <a:p>
+            <a:pPr lvl="1"/>
+            <a:r>
+              <a:rPr lang="de-AT" dirty="0" err="1">
+                <a:sym typeface="Wingdings" panose="05000000000000000000" pitchFamily="2" charset="2"/>
+              </a:rPr>
+              <a:t>Pre-Pruning</a:t>
+            </a:r>
+            <a:r>
+              <a:rPr lang="de-AT" dirty="0">
+                <a:sym typeface="Wingdings" panose="05000000000000000000" pitchFamily="2" charset="2"/>
+              </a:rPr>
+              <a:t>: Aufbau wird vorzeitig gestoppt </a:t>
+            </a:r>
+          </a:p>
+          <a:p>
+            <a:pPr lvl="1"/>
+            <a:r>
+              <a:rPr lang="de-AT" dirty="0">
+                <a:sym typeface="Wingdings" panose="05000000000000000000" pitchFamily="2" charset="2"/>
+              </a:rPr>
+              <a:t>Post-</a:t>
+            </a:r>
+            <a:r>
+              <a:rPr lang="de-AT" dirty="0" err="1">
+                <a:sym typeface="Wingdings" panose="05000000000000000000" pitchFamily="2" charset="2"/>
+              </a:rPr>
+              <a:t>Pruning</a:t>
+            </a:r>
+            <a:r>
+              <a:rPr lang="de-AT" dirty="0">
+                <a:sym typeface="Wingdings" panose="05000000000000000000" pitchFamily="2" charset="2"/>
+              </a:rPr>
+              <a:t>: Baum wird vereinfacht (Knoten durch Blätter ersetzt)</a:t>
+            </a:r>
+          </a:p>
+          <a:p>
+            <a:endParaRPr lang="de-AT" dirty="0">
+              <a:sym typeface="Wingdings" panose="05000000000000000000" pitchFamily="2" charset="2"/>
+            </a:endParaRPr>
+          </a:p>
+          <a:p>
+            <a:pPr lvl="1"/>
+            <a:endParaRPr lang="de-AT" dirty="0">
+              <a:sym typeface="Wingdings" panose="05000000000000000000" pitchFamily="2" charset="2"/>
+            </a:endParaRPr>
+          </a:p>
+        </p:txBody>
+      </p:sp>
+      <p:pic>
+        <p:nvPicPr>
+          <p:cNvPr id="4" name="Grafik 3"/>
+          <p:cNvPicPr>
+            <a:picLocks noChangeAspect="1"/>
+          </p:cNvPicPr>
+          <p:nvPr/>
+        </p:nvPicPr>
+        <p:blipFill>
+          <a:blip r:embed="rId2"/>
+          <a:stretch>
+            <a:fillRect/>
+          </a:stretch>
+        </p:blipFill>
+        <p:spPr>
+          <a:xfrm>
+            <a:off x="677332" y="4499554"/>
+            <a:ext cx="6388004" cy="2222522"/>
+          </a:xfrm>
+          <a:prstGeom prst="rect">
+            <a:avLst/>
+          </a:prstGeom>
+        </p:spPr>
+      </p:pic>
+      <p:sp>
+        <p:nvSpPr>
+          <p:cNvPr id="5" name="Datumsplatzhalter 4"/>
+          <p:cNvSpPr>
+            <a:spLocks noGrp="1"/>
+          </p:cNvSpPr>
+          <p:nvPr>
+            <p:ph type="dt" sz="half" idx="10"/>
+          </p:nvPr>
+        </p:nvSpPr>
+        <p:spPr/>
+        <p:txBody>
+          <a:bodyPr/>
+          <a:lstStyle/>
+          <a:p>
+            <a:r>
+              <a:rPr lang="de-AT" dirty="0"/>
+              <a:t>27.02.2017</a:t>
+            </a:r>
+            <a:endParaRPr lang="de-AT" dirty="0"/>
+          </a:p>
+        </p:txBody>
+      </p:sp>
+      <p:sp>
+        <p:nvSpPr>
+          <p:cNvPr id="6" name="Foliennummernplatzhalter 5"/>
+          <p:cNvSpPr>
+            <a:spLocks noGrp="1"/>
+          </p:cNvSpPr>
+          <p:nvPr>
+            <p:ph type="sldNum" sz="quarter" idx="12"/>
+          </p:nvPr>
+        </p:nvSpPr>
+        <p:spPr/>
+        <p:txBody>
+          <a:bodyPr/>
+          <a:lstStyle/>
+          <a:p>
+            <a:fld id="{312B4E99-D005-4436-9A01-D2EF8C8A66E3}" type="slidenum">
+              <a:rPr lang="de-AT" smtClean="0"/>
+              <a:pPr/>
+              <a:t>16</a:t>
+            </a:fld>
+            <a:endParaRPr lang="de-AT" dirty="0"/>
+          </a:p>
+        </p:txBody>
+      </p:sp>
+    </p:spTree>
+    <p:extLst>
+      <p:ext uri="{BB962C8B-B14F-4D97-AF65-F5344CB8AC3E}">
+        <p14:creationId xmlns:p14="http://schemas.microsoft.com/office/powerpoint/2010/main" val="1977162425"/>
+      </p:ext>
+    </p:extLst>
+  </p:cSld>
+  <p:clrMapOvr>
+    <a:masterClrMapping/>
+  </p:clrMapOvr>
+</p:sld>
+</file>
+
+<file path=ppt/slides/slide17.xml><?xml version="1.0" encoding="utf-8"?>
+<p:sld xmlns:a="http://schemas.openxmlformats.org/drawingml/2006/main" xmlns:r="http://schemas.openxmlformats.org/officeDocument/2006/relationships" xmlns:p="http://schemas.openxmlformats.org/presentationml/2006/main">
+  <p:cSld>
+    <p:spTree>
+      <p:nvGrpSpPr>
+        <p:cNvPr id="1" name=""/>
+        <p:cNvGrpSpPr/>
+        <p:nvPr/>
+      </p:nvGrpSpPr>
+      <p:grpSpPr>
+        <a:xfrm>
+          <a:off x="0" y="0"/>
+          <a:ext cx="0" cy="0"/>
+          <a:chOff x="0" y="0"/>
+          <a:chExt cx="0" cy="0"/>
+        </a:xfrm>
+      </p:grpSpPr>
+      <p:sp>
+        <p:nvSpPr>
+          <p:cNvPr id="2" name="Titel 1"/>
+          <p:cNvSpPr>
+            <a:spLocks noGrp="1"/>
+          </p:cNvSpPr>
+          <p:nvPr>
+            <p:ph type="title"/>
+          </p:nvPr>
+        </p:nvSpPr>
+        <p:spPr/>
+        <p:txBody>
+          <a:bodyPr/>
+          <a:lstStyle/>
+          <a:p>
+            <a:r>
+              <a:rPr lang="de-DE" dirty="0"/>
+              <a:t>Entscheidungsbäume</a:t>
+            </a:r>
+          </a:p>
+        </p:txBody>
+      </p:sp>
+      <p:sp>
+        <p:nvSpPr>
+          <p:cNvPr id="3" name="Inhaltsplatzhalter 2"/>
+          <p:cNvSpPr>
+            <a:spLocks noGrp="1"/>
+          </p:cNvSpPr>
+          <p:nvPr>
+            <p:ph idx="1"/>
+          </p:nvPr>
+        </p:nvSpPr>
+        <p:spPr/>
+        <p:txBody>
+          <a:bodyPr/>
+          <a:lstStyle/>
+          <a:p>
+            <a:r>
+              <a:rPr lang="de-DE" dirty="0"/>
+              <a:t>Ablauf:</a:t>
+            </a:r>
+          </a:p>
+          <a:p>
+            <a:pPr lvl="1"/>
+            <a:r>
+              <a:rPr lang="de-AT" dirty="0"/>
+              <a:t>Die Datenwerden in Test- und Trainingsdaten aufgeteilt </a:t>
+            </a:r>
+          </a:p>
+          <a:p>
+            <a:pPr lvl="1"/>
+            <a:r>
+              <a:rPr lang="de-AT" dirty="0"/>
+              <a:t>Jeden Attribut wird einen Test zugeordnet, welcher die Daten in 2 oder mehrere Teile </a:t>
+            </a:r>
+            <a:r>
+              <a:rPr lang="de-AT" dirty="0"/>
+              <a:t>am besten </a:t>
+            </a:r>
+            <a:r>
+              <a:rPr lang="de-AT" dirty="0"/>
+              <a:t> aufteilt (anhand des </a:t>
+            </a:r>
+            <a:r>
+              <a:rPr lang="de-AT" dirty="0" err="1"/>
+              <a:t>gini</a:t>
+            </a:r>
+            <a:r>
+              <a:rPr lang="de-AT" dirty="0"/>
+              <a:t>-index oder der </a:t>
+            </a:r>
+            <a:r>
+              <a:rPr lang="de-AT" dirty="0" err="1"/>
+              <a:t>gain</a:t>
+            </a:r>
+            <a:r>
+              <a:rPr lang="de-AT" dirty="0"/>
+              <a:t> </a:t>
+            </a:r>
+            <a:r>
+              <a:rPr lang="de-AT" dirty="0" err="1"/>
+              <a:t>ratio</a:t>
+            </a:r>
+            <a:r>
+              <a:rPr lang="de-AT" dirty="0"/>
+              <a:t>)</a:t>
+            </a:r>
+          </a:p>
+          <a:p>
+            <a:pPr lvl="1"/>
+            <a:r>
+              <a:rPr lang="de-AT" dirty="0"/>
+              <a:t>Wiederholung bis keine Attribute vorhanden sind oder bis nur noch reine Klassen vorhanden sind</a:t>
+            </a:r>
+          </a:p>
+          <a:p>
+            <a:pPr lvl="1"/>
+            <a:r>
+              <a:rPr lang="de-AT" dirty="0"/>
+              <a:t>Der Baum wird mit den Trainingsdaten getestet und eventuell </a:t>
+            </a:r>
+            <a:r>
+              <a:rPr lang="de-AT" dirty="0" err="1"/>
+              <a:t>geprunt</a:t>
+            </a:r>
+            <a:r>
+              <a:rPr lang="de-AT" dirty="0"/>
+              <a:t> </a:t>
+            </a:r>
+          </a:p>
+          <a:p>
+            <a:pPr lvl="1"/>
+            <a:r>
+              <a:rPr lang="de-AT" dirty="0"/>
+              <a:t>Der Baum wird an den Testaten angewendet</a:t>
+            </a:r>
+            <a:endParaRPr lang="de-DE" dirty="0"/>
+          </a:p>
+        </p:txBody>
+      </p:sp>
+      <p:sp>
+        <p:nvSpPr>
+          <p:cNvPr id="4" name="Datumsplatzhalter 3"/>
+          <p:cNvSpPr>
+            <a:spLocks noGrp="1"/>
+          </p:cNvSpPr>
+          <p:nvPr>
+            <p:ph type="dt" sz="half" idx="10"/>
+          </p:nvPr>
+        </p:nvSpPr>
+        <p:spPr/>
+        <p:txBody>
+          <a:bodyPr/>
+          <a:lstStyle/>
+          <a:p>
+            <a:r>
+              <a:rPr lang="de-AT" dirty="0"/>
+              <a:t>27.02.2017</a:t>
+            </a:r>
+            <a:endParaRPr lang="de-AT" dirty="0"/>
+          </a:p>
+        </p:txBody>
+      </p:sp>
+      <p:sp>
+        <p:nvSpPr>
+          <p:cNvPr id="5" name="Foliennummernplatzhalter 4"/>
+          <p:cNvSpPr>
+            <a:spLocks noGrp="1"/>
+          </p:cNvSpPr>
+          <p:nvPr>
+            <p:ph type="sldNum" sz="quarter" idx="12"/>
+          </p:nvPr>
+        </p:nvSpPr>
+        <p:spPr/>
+        <p:txBody>
+          <a:bodyPr/>
+          <a:lstStyle/>
+          <a:p>
+            <a:fld id="{312B4E99-D005-4436-9A01-D2EF8C8A66E3}" type="slidenum">
+              <a:rPr lang="de-AT" smtClean="0"/>
+              <a:pPr/>
+              <a:t>17</a:t>
+            </a:fld>
+            <a:endParaRPr lang="de-AT" dirty="0"/>
+          </a:p>
+        </p:txBody>
+      </p:sp>
+    </p:spTree>
+    <p:extLst>
+      <p:ext uri="{BB962C8B-B14F-4D97-AF65-F5344CB8AC3E}">
+        <p14:creationId xmlns:p14="http://schemas.microsoft.com/office/powerpoint/2010/main" val="1282769292"/>
+      </p:ext>
+    </p:extLst>
+  </p:cSld>
+  <p:clrMapOvr>
+    <a:masterClrMapping/>
+  </p:clrMapOvr>
+</p:sld>
+</file>
+
+<file path=ppt/slides/slide18.xml><?xml version="1.0" encoding="utf-8"?>
+<p:sld xmlns:a="http://schemas.openxmlformats.org/drawingml/2006/main" xmlns:r="http://schemas.openxmlformats.org/officeDocument/2006/relationships" xmlns:p="http://schemas.openxmlformats.org/presentationml/2006/main">
+  <p:cSld>
+    <p:spTree>
+      <p:nvGrpSpPr>
+        <p:cNvPr id="1" name=""/>
+        <p:cNvGrpSpPr/>
+        <p:nvPr/>
+      </p:nvGrpSpPr>
+      <p:grpSpPr>
+        <a:xfrm>
+          <a:off x="0" y="0"/>
+          <a:ext cx="0" cy="0"/>
+          <a:chOff x="0" y="0"/>
+          <a:chExt cx="0" cy="0"/>
+        </a:xfrm>
+      </p:grpSpPr>
+      <p:sp>
+        <p:nvSpPr>
+          <p:cNvPr id="2" name="Titel 1"/>
+          <p:cNvSpPr>
+            <a:spLocks noGrp="1"/>
+          </p:cNvSpPr>
+          <p:nvPr>
+            <p:ph type="title"/>
+          </p:nvPr>
+        </p:nvSpPr>
+        <p:spPr/>
+        <p:txBody>
+          <a:bodyPr/>
+          <a:lstStyle/>
+          <a:p>
+            <a:r>
+              <a:rPr lang="en-GB" dirty="0"/>
               <a:t>Next-Neighbour</a:t>
             </a:r>
             <a:r>
-              <a:rPr lang="de-AT" dirty="0" smtClean="0"/>
+              <a:rPr lang="de-AT" dirty="0"/>
               <a:t>-Klassifikation</a:t>
             </a:r>
-            <a:endParaRPr lang="de-AT" dirty="0"/>
           </a:p>
         </p:txBody>
       </p:sp>
@@ -7882,47 +8554,28 @@
           <a:p>
             <a:r>
               <a:rPr lang="de-AT" dirty="0"/>
-              <a:t>U</a:t>
-            </a:r>
-            <a:r>
-              <a:rPr lang="de-AT" dirty="0" smtClean="0"/>
-              <a:t>nbekannte Objekte werden anhand der </a:t>
-            </a:r>
-            <a:r>
-              <a:rPr lang="de-AT" dirty="0"/>
-              <a:t>Distanz zu den Trainingsobjekten einer Klasse </a:t>
-            </a:r>
-            <a:r>
-              <a:rPr lang="de-AT" dirty="0" smtClean="0"/>
-              <a:t>zugeordnet</a:t>
-            </a:r>
-          </a:p>
-          <a:p>
-            <a:r>
-              <a:rPr lang="de-AT" dirty="0" smtClean="0"/>
-              <a:t>Die euklidische Distanz wird verwendet</a:t>
-            </a:r>
-          </a:p>
-          <a:p>
-            <a:r>
-              <a:rPr lang="de-AT" dirty="0" smtClean="0"/>
+              <a:t>Unbekannte Objekte werden anhand der Distanz zu den Trainingsobjekten einer Klasse zugeordnet</a:t>
+            </a:r>
+          </a:p>
+          <a:p>
+            <a:r>
+              <a:rPr lang="de-AT" dirty="0"/>
               <a:t>2 Arten:</a:t>
             </a:r>
           </a:p>
           <a:p>
             <a:pPr lvl="1"/>
             <a:r>
-              <a:rPr lang="de-AT" dirty="0" smtClean="0"/>
+              <a:rPr lang="de-AT" dirty="0"/>
               <a:t>Unmittelbare Nachbarn werden herangezogen</a:t>
             </a:r>
           </a:p>
           <a:p>
             <a:pPr lvl="1"/>
             <a:r>
-              <a:rPr lang="de-AT" dirty="0" smtClean="0"/>
+              <a:rPr lang="de-AT" dirty="0"/>
               <a:t>Weiter entfernte Nachbarn werden herangezogen</a:t>
             </a:r>
-            <a:endParaRPr lang="de-AT" dirty="0"/>
           </a:p>
         </p:txBody>
       </p:sp>
@@ -7948,7 +8601,7 @@
         </p:blipFill>
         <p:spPr>
           <a:xfrm>
-            <a:off x="1225150" y="4501064"/>
+            <a:off x="1231008" y="4100975"/>
             <a:ext cx="2726051" cy="1797744"/>
           </a:xfrm>
           <a:prstGeom prst="rect">
@@ -7983,7 +8636,7 @@
         </p:blipFill>
         <p:spPr>
           <a:xfrm>
-            <a:off x="4346616" y="4501064"/>
+            <a:off x="4203732" y="4100975"/>
             <a:ext cx="2730579" cy="1797744"/>
           </a:xfrm>
           <a:prstGeom prst="rect">
@@ -8012,8 +8665,8 @@
           <a:lstStyle/>
           <a:p>
             <a:r>
-              <a:rPr lang="de-AT" smtClean="0"/>
-              <a:t>21.12.2016</a:t>
+              <a:rPr lang="de-AT" dirty="0"/>
+              <a:t>27.02.2017</a:t>
             </a:r>
             <a:endParaRPr lang="de-AT" dirty="0"/>
           </a:p>
@@ -8037,7 +8690,7 @@
             <a:fld id="{312B4E99-D005-4436-9A01-D2EF8C8A66E3}" type="slidenum">
               <a:rPr lang="de-AT" smtClean="0"/>
               <a:pPr/>
-              <a:t>16</a:t>
+              <a:t>18</a:t>
             </a:fld>
             <a:endParaRPr lang="de-AT" dirty="0"/>
           </a:p>
@@ -8053,17 +8706,10 @@
   <p:clrMapOvr>
     <a:masterClrMapping/>
   </p:clrMapOvr>
-  <p:timing>
-    <p:tnLst>
-      <p:par>
-        <p:cTn id="1" dur="indefinite" restart="never" nodeType="tmRoot"/>
-      </p:par>
-    </p:tnLst>
-  </p:timing>
 </p:sld>
 </file>
 
-<file path=ppt/slides/slide17.xml><?xml version="1.0" encoding="utf-8"?>
+<file path=ppt/slides/slide19.xml><?xml version="1.0" encoding="utf-8"?>
 <p:sld xmlns:a="http://schemas.openxmlformats.org/drawingml/2006/main" xmlns:r="http://schemas.openxmlformats.org/officeDocument/2006/relationships" xmlns:p="http://schemas.openxmlformats.org/presentationml/2006/main">
   <p:cSld>
     <p:spTree>
@@ -8123,41 +8769,43 @@
           <a:lstStyle/>
           <a:p>
             <a:r>
-              <a:rPr lang="de-DE" dirty="0" smtClean="0"/>
+              <a:rPr lang="de-DE" dirty="0"/>
               <a:t>Ablauf:</a:t>
             </a:r>
           </a:p>
           <a:p>
             <a:pPr lvl="1"/>
             <a:r>
-              <a:rPr lang="de-DE" dirty="0" smtClean="0"/>
-              <a:t>Klassenmodell wird mit Hilfe der Trainingsdaten aufgebaut</a:t>
+              <a:rPr lang="de-AT" dirty="0"/>
+              <a:t>Die Daten werden in Test und Trainingsdaten aufgeteilt </a:t>
             </a:r>
           </a:p>
           <a:p>
             <a:pPr lvl="1"/>
             <a:r>
-              <a:rPr lang="de-DE" dirty="0" smtClean="0"/>
-              <a:t>Für jedes Objekt in den Testaten wird die Distanz zu jeden Trainingsobjekt bestimmt</a:t>
+              <a:rPr lang="de-AT" dirty="0"/>
+              <a:t>Die Trainingsdaten werden einen k-dimensionalen Vektorfeld zugeordnet </a:t>
             </a:r>
           </a:p>
           <a:p>
             <a:pPr lvl="1"/>
             <a:r>
-              <a:rPr lang="de-DE" dirty="0" smtClean="0"/>
-              <a:t>Die Distanz wird minimiert und das Testobjekt wird der selben </a:t>
-            </a:r>
-            <a:r>
-              <a:rPr lang="de-DE" smtClean="0"/>
-              <a:t>klasse zugeordnet </a:t>
-            </a:r>
-            <a:endParaRPr lang="de-DE" dirty="0" smtClean="0"/>
+              <a:rPr lang="de-AT" dirty="0"/>
+              <a:t>bestimme die Klassen mithilfe der Trainingsdaten</a:t>
+            </a:r>
           </a:p>
           <a:p>
             <a:pPr lvl="1"/>
             <a:r>
-              <a:rPr lang="de-DE" dirty="0" smtClean="0"/>
-              <a:t>Der Algorithmus stoppt wenn alle Testaten zugeordnet sind.</a:t>
+              <a:rPr lang="de-AT" dirty="0"/>
+              <a:t>teste das Model mit den Trainingsdaten </a:t>
+            </a:r>
+          </a:p>
+          <a:p>
+            <a:pPr lvl="1"/>
+            <a:r>
+              <a:rPr lang="de-AT" dirty="0"/>
+              <a:t>Für jedes Objekt in den Testdaten wird es der Klasse zu welchen die meisten Trainingsobjekte gehören zugeordnet.</a:t>
             </a:r>
           </a:p>
         </p:txBody>
@@ -8178,8 +8826,8 @@
           <a:lstStyle/>
           <a:p>
             <a:r>
-              <a:rPr lang="de-AT" smtClean="0"/>
-              <a:t>21.12.2016</a:t>
+              <a:rPr lang="de-AT" dirty="0"/>
+              <a:t>27.02.2017</a:t>
             </a:r>
             <a:endParaRPr lang="de-AT" dirty="0"/>
           </a:p>
@@ -8203,7 +8851,7 @@
             <a:fld id="{312B4E99-D005-4436-9A01-D2EF8C8A66E3}" type="slidenum">
               <a:rPr lang="de-AT" smtClean="0"/>
               <a:pPr/>
-              <a:t>17</a:t>
+              <a:t>19</a:t>
             </a:fld>
             <a:endParaRPr lang="de-AT" dirty="0"/>
           </a:p>
@@ -8219,219 +8867,6 @@
   <p:clrMapOvr>
     <a:masterClrMapping/>
   </p:clrMapOvr>
-</p:sld>
-</file>
-
-<file path=ppt/slides/slide18.xml><?xml version="1.0" encoding="utf-8"?>
-<p:sld xmlns:a="http://schemas.openxmlformats.org/drawingml/2006/main" xmlns:r="http://schemas.openxmlformats.org/officeDocument/2006/relationships" xmlns:p="http://schemas.openxmlformats.org/presentationml/2006/main">
-  <p:cSld>
-    <p:spTree>
-      <p:nvGrpSpPr>
-        <p:cNvPr id="1" name=""/>
-        <p:cNvGrpSpPr/>
-        <p:nvPr/>
-      </p:nvGrpSpPr>
-      <p:grpSpPr>
-        <a:xfrm>
-          <a:off x="0" y="0"/>
-          <a:ext cx="0" cy="0"/>
-          <a:chOff x="0" y="0"/>
-          <a:chExt cx="0" cy="0"/>
-        </a:xfrm>
-      </p:grpSpPr>
-      <p:sp>
-        <p:nvSpPr>
-          <p:cNvPr id="2" name="Titel 1"/>
-          <p:cNvSpPr>
-            <a:spLocks noGrp="1"/>
-          </p:cNvSpPr>
-          <p:nvPr>
-            <p:ph type="title"/>
-          </p:nvPr>
-        </p:nvSpPr>
-        <p:spPr/>
-        <p:txBody>
-          <a:bodyPr/>
-          <a:lstStyle/>
-          <a:p>
-            <a:r>
-              <a:rPr lang="de-AT" smtClean="0"/>
-              <a:t>Ergebnisse</a:t>
-            </a:r>
-            <a:endParaRPr lang="de-AT" dirty="0"/>
-          </a:p>
-        </p:txBody>
-      </p:sp>
-      <p:sp>
-        <p:nvSpPr>
-          <p:cNvPr id="3" name="Inhaltsplatzhalter 2"/>
-          <p:cNvSpPr>
-            <a:spLocks noGrp="1"/>
-          </p:cNvSpPr>
-          <p:nvPr>
-            <p:ph idx="1"/>
-          </p:nvPr>
-        </p:nvSpPr>
-        <p:spPr>
-          <a:xfrm>
-            <a:off x="677333" y="2160589"/>
-            <a:ext cx="8722039" cy="3880773"/>
-          </a:xfrm>
-        </p:spPr>
-        <p:txBody>
-          <a:bodyPr>
-            <a:normAutofit/>
-          </a:bodyPr>
-          <a:lstStyle/>
-          <a:p>
-            <a:r>
-              <a:rPr lang="de-AT" dirty="0"/>
-              <a:t>In dieser Arbeit wurden </a:t>
-            </a:r>
-            <a:r>
-              <a:rPr lang="de-AT" dirty="0" smtClean="0"/>
-              <a:t>die relevanten </a:t>
-            </a:r>
-            <a:r>
-              <a:rPr lang="de-AT" dirty="0"/>
-              <a:t>Algorithmen aus der Klassifikation und dem Clustering </a:t>
-            </a:r>
-            <a:r>
-              <a:rPr lang="de-AT" dirty="0" smtClean="0"/>
-              <a:t>behandelt </a:t>
-            </a:r>
-            <a:endParaRPr lang="de-AT" dirty="0"/>
-          </a:p>
-          <a:p>
-            <a:r>
-              <a:rPr lang="de-AT" dirty="0"/>
-              <a:t>Zur Lösung </a:t>
-            </a:r>
-            <a:r>
-              <a:rPr lang="de-AT" dirty="0" smtClean="0"/>
-              <a:t>der </a:t>
-            </a:r>
-            <a:r>
-              <a:rPr lang="de-AT" dirty="0"/>
-              <a:t>Klassifikations- und </a:t>
-            </a:r>
-            <a:r>
-              <a:rPr lang="de-AT" dirty="0" err="1" smtClean="0"/>
-              <a:t>Clusteringprobleme</a:t>
-            </a:r>
-            <a:r>
-              <a:rPr lang="de-AT" dirty="0" smtClean="0"/>
-              <a:t> </a:t>
-            </a:r>
-            <a:r>
-              <a:rPr lang="de-AT" dirty="0"/>
-              <a:t>wurden daher unterschiedliche Algorithmen </a:t>
-            </a:r>
-            <a:r>
-              <a:rPr lang="de-AT" dirty="0" smtClean="0"/>
-              <a:t>angewandt</a:t>
-            </a:r>
-            <a:endParaRPr lang="de-AT" dirty="0"/>
-          </a:p>
-          <a:p>
-            <a:r>
-              <a:rPr lang="de-AT" dirty="0"/>
-              <a:t>Die </a:t>
-            </a:r>
-            <a:r>
-              <a:rPr lang="de-AT" dirty="0" smtClean="0"/>
-              <a:t>verschiedenen </a:t>
-            </a:r>
-            <a:r>
-              <a:rPr lang="de-AT" dirty="0"/>
-              <a:t>Algorithmen wurden aufgezeigt und in Beispielen </a:t>
-            </a:r>
-            <a:r>
-              <a:rPr lang="de-AT" dirty="0" smtClean="0"/>
-              <a:t>verglichen</a:t>
-            </a:r>
-          </a:p>
-          <a:p>
-            <a:r>
-              <a:rPr lang="de-AT" dirty="0" smtClean="0"/>
-              <a:t>Welcher Algorithmus die besten Ergebnisse liefert, hängt von den verwendeten </a:t>
-            </a:r>
-            <a:r>
-              <a:rPr lang="de-AT" dirty="0"/>
-              <a:t>D</a:t>
-            </a:r>
-            <a:r>
-              <a:rPr lang="de-AT" dirty="0" smtClean="0"/>
-              <a:t>aten ab</a:t>
-            </a:r>
-            <a:endParaRPr lang="de-AT" dirty="0"/>
-          </a:p>
-        </p:txBody>
-      </p:sp>
-      <p:sp>
-        <p:nvSpPr>
-          <p:cNvPr id="4" name="Datumsplatzhalter 3"/>
-          <p:cNvSpPr>
-            <a:spLocks noGrp="1"/>
-          </p:cNvSpPr>
-          <p:nvPr>
-            <p:ph type="dt" sz="half" idx="10"/>
-          </p:nvPr>
-        </p:nvSpPr>
-        <p:spPr/>
-        <p:txBody>
-          <a:bodyPr/>
-          <a:lstStyle/>
-          <a:p>
-            <a:r>
-              <a:rPr lang="de-AT" smtClean="0"/>
-              <a:t>21.12.2016</a:t>
-            </a:r>
-            <a:endParaRPr lang="de-AT" dirty="0"/>
-          </a:p>
-        </p:txBody>
-      </p:sp>
-      <p:sp>
-        <p:nvSpPr>
-          <p:cNvPr id="5" name="Foliennummernplatzhalter 4"/>
-          <p:cNvSpPr>
-            <a:spLocks noGrp="1"/>
-          </p:cNvSpPr>
-          <p:nvPr>
-            <p:ph type="sldNum" sz="quarter" idx="12"/>
-          </p:nvPr>
-        </p:nvSpPr>
-        <p:spPr/>
-        <p:txBody>
-          <a:bodyPr/>
-          <a:lstStyle/>
-          <a:p>
-            <a:fld id="{312B4E99-D005-4436-9A01-D2EF8C8A66E3}" type="slidenum">
-              <a:rPr lang="de-AT" smtClean="0"/>
-              <a:pPr/>
-              <a:t>18</a:t>
-            </a:fld>
-            <a:endParaRPr lang="de-AT" dirty="0"/>
-          </a:p>
-        </p:txBody>
-      </p:sp>
-    </p:spTree>
-    <p:extLst>
-      <p:ext uri="{BB962C8B-B14F-4D97-AF65-F5344CB8AC3E}">
-        <p14:creationId xmlns:p14="http://schemas.microsoft.com/office/powerpoint/2010/main" val="265196604"/>
-      </p:ext>
-    </p:extLst>
-  </p:cSld>
-  <p:clrMapOvr>
-    <a:masterClrMapping/>
-  </p:clrMapOvr>
-  <p:timing>
-    <p:tnLst>
-      <p:par>
-        <p:cTn id="1" dur="indefinite" restart="never" nodeType="tmRoot"/>
-      </p:par>
-    </p:tnLst>
-  </p:timing>
 </p:sld>
 </file>
 
@@ -8468,7 +8903,7 @@
           <a:lstStyle/>
           <a:p>
             <a:r>
-              <a:rPr lang="de-AT" dirty="0" smtClean="0"/>
+              <a:rPr lang="de-AT" dirty="0"/>
               <a:t>Einleitung</a:t>
             </a:r>
             <a:endParaRPr lang="en-GB" dirty="0"/>
@@ -8496,51 +8931,50 @@
           <a:lstStyle/>
           <a:p>
             <a:r>
-              <a:rPr lang="de-AT" dirty="0" smtClean="0"/>
+              <a:rPr lang="de-AT" dirty="0"/>
               <a:t>Bedeutung von Klassifikation und Clustering hat in den letzten Jahren zugenommen:</a:t>
             </a:r>
           </a:p>
           <a:p>
             <a:pPr lvl="1"/>
             <a:r>
-              <a:rPr lang="de-AT" dirty="0" smtClean="0"/>
+              <a:rPr lang="de-AT" dirty="0"/>
               <a:t>Die Datenmengen werden immer größer und komplexer</a:t>
             </a:r>
           </a:p>
           <a:p>
             <a:pPr lvl="1"/>
             <a:r>
-              <a:rPr lang="de-AT" dirty="0" smtClean="0"/>
-              <a:t>Neue Algorithmen müssen gefunden werden</a:t>
-            </a:r>
-          </a:p>
-          <a:p>
-            <a:r>
-              <a:rPr lang="de-AT" dirty="0" smtClean="0"/>
+              <a:rPr lang="de-AT" dirty="0"/>
+              <a:t>Neue Algorithmen müssen gefunden werden und bestehende verbessert werden.</a:t>
+            </a:r>
+          </a:p>
+          <a:p>
+            <a:r>
+              <a:rPr lang="de-AT" dirty="0"/>
               <a:t>Welche bedeutenden Klassifikations- und Clustering-Algorithmen gibt es?</a:t>
             </a:r>
+          </a:p>
+          <a:p>
             <a:endParaRPr lang="de-AT" dirty="0"/>
           </a:p>
           <a:p>
-            <a:endParaRPr lang="de-AT" dirty="0" smtClean="0"/>
-          </a:p>
-          <a:p>
-            <a:r>
-              <a:rPr lang="de-AT" dirty="0" smtClean="0"/>
+            <a:r>
+              <a:rPr lang="de-AT" dirty="0"/>
               <a:t>Gliederung:</a:t>
             </a:r>
           </a:p>
           <a:p>
             <a:pPr lvl="1"/>
             <a:r>
-              <a:rPr lang="de-AT" dirty="0" smtClean="0"/>
+              <a:rPr lang="de-AT" dirty="0"/>
               <a:t>Klassifikation</a:t>
             </a:r>
           </a:p>
           <a:p>
             <a:pPr lvl="1"/>
             <a:r>
-              <a:rPr lang="de-AT" dirty="0" smtClean="0"/>
+              <a:rPr lang="de-AT" dirty="0"/>
               <a:t>Clustering</a:t>
             </a:r>
             <a:endParaRPr lang="en-GB" dirty="0"/>
@@ -8563,8 +8997,8 @@
           <a:lstStyle/>
           <a:p>
             <a:r>
-              <a:rPr lang="de-AT" dirty="0" smtClean="0"/>
-              <a:t>21.12.2016</a:t>
+              <a:rPr lang="de-AT" dirty="0"/>
+              <a:t>27.02.2017</a:t>
             </a:r>
             <a:endParaRPr lang="de-AT" dirty="0"/>
           </a:p>
@@ -8604,13 +9038,6 @@
   <p:clrMapOvr>
     <a:masterClrMapping/>
   </p:clrMapOvr>
-  <p:timing>
-    <p:tnLst>
-      <p:par>
-        <p:cTn id="1" dur="indefinite" restart="never" nodeType="tmRoot"/>
-      </p:par>
-    </p:tnLst>
-  </p:timing>
 </p:sld>
 </file>
 
@@ -8647,7 +9074,7 @@
           <a:lstStyle/>
           <a:p>
             <a:r>
-              <a:rPr lang="de-AT" dirty="0" smtClean="0"/>
+              <a:rPr lang="de-AT" dirty="0"/>
               <a:t>Clustering</a:t>
             </a:r>
             <a:endParaRPr lang="en-GB" dirty="0"/>
@@ -8670,7 +9097,7 @@
           <a:lstStyle/>
           <a:p>
             <a:r>
-              <a:rPr lang="de-AT" dirty="0" smtClean="0"/>
+              <a:rPr lang="de-AT" dirty="0"/>
               <a:t>Allgemeines und Algorithmen</a:t>
             </a:r>
             <a:endParaRPr lang="en-GB" dirty="0"/>
@@ -8693,10 +9120,9 @@
           <a:lstStyle/>
           <a:p>
             <a:r>
-              <a:rPr lang="de-AT" smtClean="0"/>
-              <a:t>21.12.2016</a:t>
-            </a:r>
-            <a:endParaRPr lang="de-AT"/>
+              <a:rPr lang="de-AT" dirty="0"/>
+              <a:t>27.02.2017</a:t>
+            </a:r>
           </a:p>
         </p:txBody>
       </p:sp>
@@ -8733,13 +9159,6 @@
   <p:clrMapOvr>
     <a:masterClrMapping/>
   </p:clrMapOvr>
-  <p:timing>
-    <p:tnLst>
-      <p:par>
-        <p:cTn id="1" dur="indefinite" restart="never" nodeType="tmRoot"/>
-      </p:par>
-    </p:tnLst>
-  </p:timing>
 </p:sld>
 </file>
 
@@ -8776,10 +9195,9 @@
           <a:lstStyle/>
           <a:p>
             <a:r>
-              <a:rPr lang="de-AT" dirty="0" smtClean="0"/>
+              <a:rPr lang="de-AT" dirty="0"/>
               <a:t>Allgemein</a:t>
             </a:r>
-            <a:endParaRPr lang="de-AT" dirty="0"/>
           </a:p>
         </p:txBody>
       </p:sp>
@@ -8801,11 +9219,11 @@
           <a:lstStyle/>
           <a:p>
             <a:r>
-              <a:rPr lang="de-AT" dirty="0" smtClean="0"/>
-              <a:t>Clustering teilt Daten in kleine Teile ein </a:t>
-            </a:r>
-            <a:r>
-              <a:rPr lang="de-AT" dirty="0" smtClean="0">
+              <a:rPr lang="de-AT" dirty="0"/>
+              <a:t>Clustering findet in Daten Gruppen (Objekte mit hoher Ähnlichkeit)</a:t>
+            </a:r>
+            <a:r>
+              <a:rPr lang="de-AT" dirty="0">
                 <a:sym typeface="Wingdings" panose="05000000000000000000" pitchFamily="2" charset="2"/>
               </a:rPr>
               <a:t> Cluster</a:t>
@@ -8813,19 +9231,19 @@
           </a:p>
           <a:p>
             <a:r>
-              <a:rPr lang="de-AT" dirty="0" smtClean="0">
+              <a:rPr lang="de-AT" dirty="0">
                 <a:sym typeface="Wingdings" panose="05000000000000000000" pitchFamily="2" charset="2"/>
               </a:rPr>
               <a:t>Wird auch als </a:t>
             </a:r>
             <a:r>
-              <a:rPr lang="de-AT" dirty="0" err="1" smtClean="0">
+              <a:rPr lang="de-AT" dirty="0" err="1">
                 <a:sym typeface="Wingdings" panose="05000000000000000000" pitchFamily="2" charset="2"/>
               </a:rPr>
               <a:t>unüberwachte</a:t>
             </a:r>
             <a:r>
-              <a:rPr lang="de-AT" dirty="0" smtClean="0">
+              <a:rPr lang="de-AT" dirty="0">
                 <a:sym typeface="Wingdings" panose="05000000000000000000" pitchFamily="2" charset="2"/>
               </a:rPr>
               <a:t> Klassifikation bezeichnet</a:t>
@@ -8833,126 +9251,115 @@
           </a:p>
           <a:p>
             <a:r>
-              <a:rPr lang="de-AT" dirty="0" smtClean="0">
+              <a:rPr lang="de-AT" dirty="0">
                 <a:sym typeface="Wingdings" panose="05000000000000000000" pitchFamily="2" charset="2"/>
               </a:rPr>
-              <a:t>Die Distanzfunktion bestimmt die Beschaffenheit der Cluster</a:t>
+              <a:t>2 Gruppen:</a:t>
+            </a:r>
+          </a:p>
+          <a:p>
+            <a:pPr lvl="1"/>
+            <a:r>
+              <a:rPr lang="de-AT" dirty="0">
+                <a:sym typeface="Wingdings" panose="05000000000000000000" pitchFamily="2" charset="2"/>
+              </a:rPr>
+              <a:t>Partitionierung</a:t>
+            </a:r>
+          </a:p>
+          <a:p>
+            <a:pPr lvl="1"/>
+            <a:r>
+              <a:rPr lang="de-AT" dirty="0">
+                <a:sym typeface="Wingdings" panose="05000000000000000000" pitchFamily="2" charset="2"/>
+              </a:rPr>
+              <a:t>Hierarchisches Clustering</a:t>
+            </a:r>
+          </a:p>
+          <a:p>
+            <a:r>
+              <a:rPr lang="de-DE" dirty="0">
+                <a:sym typeface="Wingdings" panose="05000000000000000000" pitchFamily="2" charset="2"/>
+              </a:rPr>
+              <a:t>A</a:t>
+            </a:r>
+            <a:r>
+              <a:rPr lang="de-AT" dirty="0" err="1">
+                <a:sym typeface="Wingdings" panose="05000000000000000000" pitchFamily="2" charset="2"/>
+              </a:rPr>
+              <a:t>lgorithmen</a:t>
+            </a:r>
+            <a:r>
+              <a:rPr lang="de-AT" dirty="0">
+                <a:sym typeface="Wingdings" panose="05000000000000000000" pitchFamily="2" charset="2"/>
+              </a:rPr>
+              <a:t>:</a:t>
+            </a:r>
+          </a:p>
+          <a:p>
+            <a:pPr lvl="1"/>
+            <a:r>
+              <a:rPr lang="de-DE" dirty="0">
+                <a:sym typeface="Wingdings" panose="05000000000000000000" pitchFamily="2" charset="2"/>
+              </a:rPr>
+              <a:t>k</a:t>
+            </a:r>
+            <a:r>
+              <a:rPr lang="de-AT" dirty="0">
+                <a:sym typeface="Wingdings" panose="05000000000000000000" pitchFamily="2" charset="2"/>
+              </a:rPr>
+              <a:t>-</a:t>
+            </a:r>
+            <a:r>
+              <a:rPr lang="de-AT" dirty="0" err="1">
+                <a:sym typeface="Wingdings" panose="05000000000000000000" pitchFamily="2" charset="2"/>
+              </a:rPr>
+              <a:t>means</a:t>
             </a:r>
             <a:endParaRPr lang="de-AT" dirty="0">
               <a:sym typeface="Wingdings" panose="05000000000000000000" pitchFamily="2" charset="2"/>
             </a:endParaRPr>
           </a:p>
           <a:p>
-            <a:r>
-              <a:rPr lang="de-AT" dirty="0" smtClean="0">
+            <a:pPr lvl="1"/>
+            <a:r>
+              <a:rPr lang="de-DE" dirty="0">
                 <a:sym typeface="Wingdings" panose="05000000000000000000" pitchFamily="2" charset="2"/>
               </a:rPr>
-              <a:t>2 Gruppen:</a:t>
-            </a:r>
-          </a:p>
-          <a:p>
-            <a:pPr lvl="1"/>
-            <a:r>
-              <a:rPr lang="de-AT" dirty="0" smtClean="0">
+              <a:t>H</a:t>
+            </a:r>
+            <a:r>
+              <a:rPr lang="de-AT" dirty="0" err="1">
                 <a:sym typeface="Wingdings" panose="05000000000000000000" pitchFamily="2" charset="2"/>
               </a:rPr>
-              <a:t>Partitionierung</a:t>
-            </a:r>
-          </a:p>
-          <a:p>
-            <a:pPr lvl="1"/>
-            <a:r>
-              <a:rPr lang="de-AT" dirty="0" smtClean="0">
-                <a:sym typeface="Wingdings" panose="05000000000000000000" pitchFamily="2" charset="2"/>
-              </a:rPr>
-              <a:t>Hierarchisches Clustering</a:t>
-            </a:r>
-          </a:p>
-          <a:p>
-            <a:r>
-              <a:rPr lang="de-AT" dirty="0" smtClean="0">
-                <a:sym typeface="Wingdings" panose="05000000000000000000" pitchFamily="2" charset="2"/>
-              </a:rPr>
-              <a:t>Weitere Unterteilung:</a:t>
-            </a:r>
-          </a:p>
-          <a:p>
-            <a:pPr lvl="1"/>
-            <a:r>
-              <a:rPr lang="de-AT" dirty="0" err="1" smtClean="0">
-                <a:sym typeface="Wingdings" panose="05000000000000000000" pitchFamily="2" charset="2"/>
-              </a:rPr>
-              <a:t>divisiv</a:t>
+              <a:t>ierachisches</a:t>
             </a:r>
             <a:r>
               <a:rPr lang="de-AT" dirty="0">
                 <a:sym typeface="Wingdings" panose="05000000000000000000" pitchFamily="2" charset="2"/>
               </a:rPr>
-              <a:t>, </a:t>
-            </a:r>
-            <a:r>
-              <a:rPr lang="de-AT" dirty="0" err="1" smtClean="0">
+              <a:t> Clustering</a:t>
+            </a:r>
+          </a:p>
+          <a:p>
+            <a:pPr lvl="1"/>
+            <a:r>
+              <a:rPr lang="de-DE" dirty="0">
                 <a:sym typeface="Wingdings" panose="05000000000000000000" pitchFamily="2" charset="2"/>
               </a:rPr>
-              <a:t>agglomerativ</a:t>
-            </a:r>
-            <a:r>
-              <a:rPr lang="de-AT" dirty="0" smtClean="0">
+              <a:t>G</a:t>
+            </a:r>
+            <a:r>
+              <a:rPr lang="de-AT" dirty="0" err="1">
                 <a:sym typeface="Wingdings" panose="05000000000000000000" pitchFamily="2" charset="2"/>
               </a:rPr>
-              <a:t>, </a:t>
-            </a:r>
-            <a:r>
-              <a:rPr lang="de-AT" dirty="0" err="1" smtClean="0">
-                <a:sym typeface="Wingdings" panose="05000000000000000000" pitchFamily="2" charset="2"/>
-              </a:rPr>
-              <a:t>hard</a:t>
-            </a:r>
-            <a:r>
-              <a:rPr lang="de-AT" dirty="0" smtClean="0">
-                <a:sym typeface="Wingdings" panose="05000000000000000000" pitchFamily="2" charset="2"/>
-              </a:rPr>
-              <a:t>, </a:t>
-            </a:r>
-            <a:r>
-              <a:rPr lang="de-AT" dirty="0" err="1" smtClean="0">
-                <a:sym typeface="Wingdings" panose="05000000000000000000" pitchFamily="2" charset="2"/>
-              </a:rPr>
-              <a:t>fuzzy</a:t>
+              <a:t>raph-based</a:t>
             </a:r>
             <a:r>
               <a:rPr lang="de-AT" dirty="0">
                 <a:sym typeface="Wingdings" panose="05000000000000000000" pitchFamily="2" charset="2"/>
               </a:rPr>
-              <a:t>, </a:t>
-            </a:r>
-            <a:r>
-              <a:rPr lang="de-AT" dirty="0" smtClean="0">
-                <a:sym typeface="Wingdings" panose="05000000000000000000" pitchFamily="2" charset="2"/>
-              </a:rPr>
-              <a:t>stochastisch,</a:t>
-            </a:r>
-            <a:r>
-              <a:rPr lang="en-GB" i="1" dirty="0"/>
-              <a:t> </a:t>
-            </a:r>
-            <a:r>
-              <a:rPr lang="de-AT" dirty="0" smtClean="0"/>
-              <a:t>deterministisch</a:t>
-            </a:r>
-            <a:r>
-              <a:rPr lang="de-AT" dirty="0" smtClean="0">
-                <a:sym typeface="Wingdings" panose="05000000000000000000" pitchFamily="2" charset="2"/>
-              </a:rPr>
-              <a:t>, monothetisch und </a:t>
-            </a:r>
-            <a:r>
-              <a:rPr lang="en-GB" dirty="0" err="1" smtClean="0"/>
-              <a:t>polythetisch</a:t>
-            </a:r>
-            <a:endParaRPr lang="de-AT" dirty="0" smtClean="0">
-              <a:sym typeface="Wingdings" panose="05000000000000000000" pitchFamily="2" charset="2"/>
-            </a:endParaRPr>
+              <a:t> Clustering</a:t>
+            </a:r>
           </a:p>
         </p:txBody>
       </p:sp>
@@ -8972,8 +9379,8 @@
           <a:lstStyle/>
           <a:p>
             <a:r>
-              <a:rPr lang="de-AT" smtClean="0"/>
-              <a:t>21.12.2016</a:t>
+              <a:rPr lang="de-AT" dirty="0"/>
+              <a:t>27.02.2017</a:t>
             </a:r>
             <a:endParaRPr lang="de-AT" dirty="0"/>
           </a:p>
@@ -9013,13 +9420,6 @@
   <p:clrMapOvr>
     <a:masterClrMapping/>
   </p:clrMapOvr>
-  <p:timing>
-    <p:tnLst>
-      <p:par>
-        <p:cTn id="1" dur="indefinite" restart="never" nodeType="tmRoot"/>
-      </p:par>
-    </p:tnLst>
-  </p:timing>
 </p:sld>
 </file>
 
@@ -9056,22 +9456,17 @@
           <a:lstStyle/>
           <a:p>
             <a:r>
-              <a:rPr lang="de-AT" dirty="0" smtClean="0"/>
+              <a:rPr lang="de-AT" dirty="0"/>
               <a:t>k-</a:t>
             </a:r>
             <a:r>
-              <a:rPr lang="de-AT" dirty="0" err="1" smtClean="0"/>
+              <a:rPr lang="de-AT" dirty="0" err="1"/>
               <a:t>means</a:t>
             </a:r>
             <a:r>
               <a:rPr lang="de-AT" dirty="0"/>
-              <a:t>-</a:t>
-            </a:r>
-            <a:r>
-              <a:rPr lang="de-AT" dirty="0" smtClean="0"/>
-              <a:t>Clustering </a:t>
-            </a:r>
-            <a:endParaRPr lang="de-AT" dirty="0"/>
+              <a:t>-Clustering </a:t>
+            </a:r>
           </a:p>
         </p:txBody>
       </p:sp>
@@ -9093,71 +9488,38 @@
           <a:lstStyle/>
           <a:p>
             <a:r>
-              <a:rPr lang="de-AT" dirty="0" smtClean="0"/>
-              <a:t>Partitionierungs-Algorithmus </a:t>
-            </a:r>
-          </a:p>
-          <a:p>
-            <a:r>
-              <a:rPr lang="de-AT" dirty="0" smtClean="0"/>
-              <a:t>Einfache Implementierung, gut </a:t>
-            </a:r>
-            <a:r>
-              <a:rPr lang="de-AT" dirty="0"/>
-              <a:t>interpretierbare Ergebnisse</a:t>
-            </a:r>
-          </a:p>
-          <a:p>
-            <a:r>
-              <a:rPr lang="de-AT" dirty="0" smtClean="0"/>
-              <a:t>Partition </a:t>
-            </a:r>
-            <a:r>
-              <a:rPr lang="de-AT" dirty="0"/>
-              <a:t>in den Daten </a:t>
-            </a:r>
-            <a:r>
-              <a:rPr lang="de-AT" dirty="0" smtClean="0"/>
-              <a:t> </a:t>
-            </a:r>
-            <a:r>
-              <a:rPr lang="de-AT" dirty="0" smtClean="0">
-                <a:sym typeface="Wingdings" panose="05000000000000000000" pitchFamily="2" charset="2"/>
-              </a:rPr>
-              <a:t> </a:t>
-            </a:r>
-            <a:r>
-              <a:rPr lang="de-AT" dirty="0" smtClean="0"/>
-              <a:t>Cluster</a:t>
-            </a:r>
-            <a:endParaRPr lang="de-AT" dirty="0"/>
-          </a:p>
-          <a:p>
-            <a:r>
-              <a:rPr lang="de-AT" dirty="0" smtClean="0"/>
-              <a:t>Die Anzahl der Cluster ist festgelegt </a:t>
-            </a:r>
-          </a:p>
-          <a:p>
-            <a:r>
-              <a:rPr lang="de-AT" dirty="0" smtClean="0"/>
-              <a:t>Methode </a:t>
-            </a:r>
-            <a:r>
-              <a:rPr lang="de-AT" dirty="0"/>
-              <a:t>wird als </a:t>
+              <a:rPr lang="de-AT" dirty="0"/>
+              <a:t>Partitionierungs-Algorithmus</a:t>
+            </a:r>
+          </a:p>
+          <a:p>
+            <a:r>
+              <a:rPr lang="de-DE" dirty="0"/>
+              <a:t>C</a:t>
+            </a:r>
+            <a:r>
+              <a:rPr lang="de-AT" dirty="0" err="1"/>
+              <a:t>luster</a:t>
+            </a:r>
+            <a:r>
+              <a:rPr lang="de-AT" dirty="0"/>
+              <a:t> werden anhand von Ähnlichkeiten in den Daten</a:t>
+            </a:r>
+          </a:p>
+          <a:p>
+            <a:r>
+              <a:rPr lang="de-AT" dirty="0"/>
+              <a:t>Die Anzahl der Cluster wird von Anwender gewählt</a:t>
+            </a:r>
+          </a:p>
+          <a:p>
+            <a:r>
+              <a:rPr lang="de-AT" dirty="0"/>
+              <a:t>Distanzfunktion: </a:t>
             </a:r>
             <a:r>
               <a:rPr lang="de-AT" dirty="0" err="1"/>
               <a:t>Sum-of-Squares</a:t>
-            </a:r>
-            <a:r>
-              <a:rPr lang="de-AT" dirty="0"/>
-              <a:t> </a:t>
-            </a:r>
-            <a:r>
-              <a:rPr lang="de-AT" dirty="0" smtClean="0"/>
-              <a:t>bezeichnet</a:t>
             </a:r>
             <a:endParaRPr lang="de-AT" dirty="0"/>
           </a:p>
@@ -9184,7 +9546,7 @@
         </p:blipFill>
         <p:spPr>
           <a:xfrm>
-            <a:off x="677334" y="4205621"/>
+            <a:off x="677334" y="3848191"/>
             <a:ext cx="4516835" cy="2558296"/>
           </a:xfrm>
           <a:prstGeom prst="rect">
@@ -9208,8 +9570,8 @@
           <a:lstStyle/>
           <a:p>
             <a:r>
-              <a:rPr lang="de-AT" smtClean="0"/>
-              <a:t>21.12.2016</a:t>
+              <a:rPr lang="de-AT" dirty="0"/>
+              <a:t>27.02.2017</a:t>
             </a:r>
             <a:endParaRPr lang="de-AT" dirty="0"/>
           </a:p>
@@ -9249,13 +9611,6 @@
   <p:clrMapOvr>
     <a:masterClrMapping/>
   </p:clrMapOvr>
-  <p:timing>
-    <p:tnLst>
-      <p:par>
-        <p:cTn id="1" dur="indefinite" restart="never" nodeType="tmRoot"/>
-      </p:par>
-    </p:tnLst>
-  </p:timing>
 </p:sld>
 </file>
 
@@ -9292,22 +9647,21 @@
           <a:lstStyle/>
           <a:p>
             <a:r>
-              <a:rPr lang="de-DE" dirty="0" err="1" smtClean="0"/>
+              <a:rPr lang="de-DE" dirty="0" err="1"/>
               <a:t>k</a:t>
             </a:r>
             <a:r>
-              <a:rPr lang="de-DE" dirty="0" smtClean="0"/>
+              <a:rPr lang="de-DE" dirty="0"/>
               <a:t>-</a:t>
             </a:r>
             <a:r>
-              <a:rPr lang="de-DE" dirty="0" err="1" smtClean="0"/>
+              <a:rPr lang="de-DE" dirty="0" err="1"/>
               <a:t>means</a:t>
             </a:r>
             <a:r>
-              <a:rPr lang="de-DE" dirty="0" smtClean="0"/>
+              <a:rPr lang="de-DE" dirty="0"/>
               <a:t>-Clustering</a:t>
             </a:r>
-            <a:endParaRPr lang="de-DE" dirty="0"/>
           </a:p>
         </p:txBody>
       </p:sp>
@@ -9327,68 +9681,52 @@
           <a:lstStyle/>
           <a:p>
             <a:r>
-              <a:rPr lang="de-DE" dirty="0" smtClean="0"/>
+              <a:rPr lang="de-DE" dirty="0"/>
               <a:t>Ablauf: </a:t>
             </a:r>
           </a:p>
           <a:p>
-            <a:pPr marL="800100" lvl="1" indent="-342900">
-              <a:buFont typeface="+mj-lt"/>
-              <a:buAutoNum type="arabicPeriod"/>
-            </a:pPr>
-            <a:r>
-              <a:rPr lang="de-DE" dirty="0" smtClean="0"/>
-              <a:t>Wähle </a:t>
-            </a:r>
-            <a:r>
-              <a:rPr lang="de-DE" dirty="0" err="1" smtClean="0"/>
-              <a:t>k</a:t>
-            </a:r>
-            <a:r>
-              <a:rPr lang="de-DE" dirty="0" smtClean="0"/>
-              <a:t> Cluster-Zentren</a:t>
-            </a:r>
-          </a:p>
-          <a:p>
-            <a:pPr marL="800100" lvl="1" indent="-342900">
-              <a:buFont typeface="+mj-lt"/>
-              <a:buAutoNum type="arabicPeriod"/>
-            </a:pPr>
-            <a:r>
-              <a:rPr lang="de-DE" dirty="0" smtClean="0"/>
-              <a:t>Berechne für jedes Datenpunkt, zu welchen Clustermittelpunt es am nächsten liegt </a:t>
-            </a:r>
-          </a:p>
-          <a:p>
-            <a:pPr marL="800100" lvl="1" indent="-342900">
-              <a:buFont typeface="+mj-lt"/>
-              <a:buAutoNum type="arabicPeriod"/>
-            </a:pPr>
-            <a:r>
-              <a:rPr lang="de-DE" dirty="0" smtClean="0"/>
-              <a:t>Berechne für jeden Cluster sie Kostenfunktion</a:t>
-            </a:r>
-          </a:p>
-          <a:p>
-            <a:pPr marL="800100" lvl="1" indent="-342900">
-              <a:buFont typeface="+mj-lt"/>
-              <a:buAutoNum type="arabicPeriod"/>
-            </a:pPr>
-            <a:r>
-              <a:rPr lang="de-DE" dirty="0" smtClean="0"/>
-              <a:t>Berechne für jeden Cluster den eigenen neuen Mittelpunkt</a:t>
-            </a:r>
-          </a:p>
-          <a:p>
-            <a:pPr marL="800100" lvl="1" indent="-342900">
-              <a:buFont typeface="+mj-lt"/>
-              <a:buAutoNum type="arabicPeriod"/>
-            </a:pPr>
-            <a:r>
-              <a:rPr lang="de-DE" dirty="0" smtClean="0"/>
-              <a:t>Wiederhole die Schritte 2-4 bis sich die Zuordnung nichtmehr ändert. </a:t>
-            </a:r>
-            <a:endParaRPr lang="de-DE" dirty="0"/>
+            <a:pPr lvl="1"/>
+            <a:r>
+              <a:rPr lang="de-AT" dirty="0"/>
+              <a:t>k Clusterzentren werden ausgewählt</a:t>
+            </a:r>
+          </a:p>
+          <a:p>
+            <a:pPr lvl="1"/>
+            <a:r>
+              <a:rPr lang="de-AT" dirty="0"/>
+              <a:t>Die Distanz den Clusterzentren zu jeden Objekt wird berechnet </a:t>
+            </a:r>
+          </a:p>
+          <a:p>
+            <a:pPr lvl="1"/>
+            <a:r>
+              <a:rPr lang="de-AT" dirty="0"/>
+              <a:t>Zuordnung zum Clusterzentrum mit dem geringsten Abstand </a:t>
+            </a:r>
+          </a:p>
+          <a:p>
+            <a:pPr lvl="1"/>
+            <a:r>
+              <a:rPr lang="de-DE" dirty="0"/>
+              <a:t>Berechnung der Mittelwerte der einzelnen Cluster</a:t>
+            </a:r>
+          </a:p>
+          <a:p>
+            <a:pPr lvl="1"/>
+            <a:r>
+              <a:rPr lang="de-DE" dirty="0"/>
+              <a:t>Die neuen Clusterzentren werden bei den jeweiligen Mittelpunkt gesetzt</a:t>
+            </a:r>
+          </a:p>
+          <a:p>
+            <a:pPr lvl="1"/>
+            <a:r>
+              <a:rPr lang="de-DE" dirty="0"/>
+              <a:t>Wiederholung: bis die Clusterzuordnung sich nicht mehr ändert</a:t>
+            </a:r>
+            <a:endParaRPr lang="de-AT" dirty="0"/>
           </a:p>
         </p:txBody>
       </p:sp>
@@ -9408,8 +9746,8 @@
           <a:lstStyle/>
           <a:p>
             <a:r>
-              <a:rPr lang="de-AT" smtClean="0"/>
-              <a:t>21.12.2016</a:t>
+              <a:rPr lang="de-AT" dirty="0"/>
+              <a:t>27.02.2017</a:t>
             </a:r>
             <a:endParaRPr lang="de-AT" dirty="0"/>
           </a:p>
@@ -9485,12 +9823,8 @@
           <a:lstStyle/>
           <a:p>
             <a:r>
-              <a:rPr lang="de-AT" dirty="0" smtClean="0"/>
-              <a:t>Hierarchisches </a:t>
-            </a:r>
-            <a:r>
-              <a:rPr lang="de-AT" dirty="0"/>
-              <a:t>Clustering</a:t>
+              <a:rPr lang="de-AT" dirty="0"/>
+              <a:t>Hierarchisches Clustering</a:t>
             </a:r>
           </a:p>
         </p:txBody>
@@ -9519,78 +9853,61 @@
           <a:p>
             <a:r>
               <a:rPr lang="de-AT" dirty="0"/>
-              <a:t>Methode erstellt eine hierarchische Baumstruktur</a:t>
-            </a:r>
-          </a:p>
-          <a:p>
-            <a:r>
-              <a:rPr lang="de-AT" dirty="0"/>
-              <a:t>Knoten bzw. Enden stellen jeweils eine Teilmenge des übergeordneten Knotens dar </a:t>
-            </a:r>
-          </a:p>
-          <a:p>
-            <a:r>
-              <a:rPr lang="de-AT" dirty="0"/>
-              <a:t>Wurzelknoten repräsentiert die gesamte Menge und die Blätter </a:t>
-            </a:r>
-            <a:r>
-              <a:rPr lang="de-AT" dirty="0" smtClean="0"/>
-              <a:t>der einzelnen </a:t>
-            </a:r>
-            <a:r>
-              <a:rPr lang="de-AT" dirty="0"/>
-              <a:t>Objekte</a:t>
-            </a:r>
-          </a:p>
-          <a:p>
-            <a:r>
-              <a:rPr lang="de-AT" dirty="0" err="1" smtClean="0"/>
+              <a:t>hierarchische Baumstruktur wird verwendet um die Cluster darzustellen</a:t>
+            </a:r>
+          </a:p>
+          <a:p>
+            <a:r>
+              <a:rPr lang="de-AT" dirty="0"/>
+              <a:t>Knoten und Blätter stellen jeweils Teilmengen des übergeordneten Knotens dar </a:t>
+            </a:r>
+          </a:p>
+          <a:p>
+            <a:r>
+              <a:rPr lang="de-AT" dirty="0"/>
+              <a:t>Wurzelknoten repräsentiert die gesamte Menge und die Blätter der einzelnen Objekte</a:t>
+            </a:r>
+          </a:p>
+          <a:p>
+            <a:r>
+              <a:rPr lang="de-AT" dirty="0" err="1"/>
               <a:t>bottom-up</a:t>
             </a:r>
             <a:r>
-              <a:rPr lang="de-AT" dirty="0" smtClean="0"/>
-              <a:t>- </a:t>
-            </a:r>
-            <a:r>
-              <a:rPr lang="de-AT" dirty="0"/>
-              <a:t>bzw. </a:t>
-            </a:r>
-            <a:r>
-              <a:rPr lang="de-AT" dirty="0" smtClean="0"/>
-              <a:t>top-down-Verfahren</a:t>
-            </a:r>
-          </a:p>
-          <a:p>
-            <a:r>
-              <a:rPr lang="de-AT" dirty="0" smtClean="0"/>
+              <a:rPr lang="de-AT" dirty="0"/>
+              <a:t> und top-down Verfahren</a:t>
+            </a:r>
+          </a:p>
+          <a:p>
+            <a:r>
+              <a:rPr lang="de-AT" dirty="0"/>
               <a:t>Link-Arten:</a:t>
             </a:r>
           </a:p>
           <a:p>
             <a:pPr lvl="1"/>
             <a:r>
-              <a:rPr lang="de-AT" dirty="0" smtClean="0"/>
+              <a:rPr lang="de-AT" dirty="0"/>
               <a:t>Single-Link</a:t>
             </a:r>
           </a:p>
           <a:p>
             <a:pPr lvl="1"/>
             <a:r>
-              <a:rPr lang="de-AT" dirty="0" smtClean="0"/>
+              <a:rPr lang="de-AT" dirty="0"/>
               <a:t>Average-Link </a:t>
             </a:r>
           </a:p>
           <a:p>
             <a:pPr lvl="1"/>
             <a:r>
-              <a:rPr lang="de-AT" dirty="0" err="1" smtClean="0"/>
+              <a:rPr lang="de-AT" dirty="0" err="1"/>
               <a:t>Complete</a:t>
             </a:r>
             <a:r>
-              <a:rPr lang="de-AT" dirty="0" smtClean="0"/>
+              <a:rPr lang="de-AT" dirty="0"/>
               <a:t>-Link</a:t>
             </a:r>
-            <a:endParaRPr lang="de-AT" dirty="0"/>
           </a:p>
         </p:txBody>
       </p:sp>
@@ -9640,8 +9957,8 @@
           <a:lstStyle/>
           <a:p>
             <a:r>
-              <a:rPr lang="de-AT" smtClean="0"/>
-              <a:t>21.12.2016</a:t>
+              <a:rPr lang="de-AT" dirty="0"/>
+              <a:t>27.02.2017</a:t>
             </a:r>
             <a:endParaRPr lang="de-AT" dirty="0"/>
           </a:p>
@@ -9681,13 +9998,6 @@
   <p:clrMapOvr>
     <a:masterClrMapping/>
   </p:clrMapOvr>
-  <p:timing>
-    <p:tnLst>
-      <p:par>
-        <p:cTn id="1" dur="indefinite" restart="never" nodeType="tmRoot"/>
-      </p:par>
-    </p:tnLst>
-  </p:timing>
 </p:sld>
 </file>
 
@@ -9747,66 +10057,51 @@
           <a:lstStyle/>
           <a:p>
             <a:r>
-              <a:rPr lang="de-DE" dirty="0" smtClean="0"/>
-              <a:t>Ablauf </a:t>
-            </a:r>
-          </a:p>
-          <a:p>
-            <a:pPr marL="800100" lvl="1" indent="-342900">
-              <a:buFont typeface="+mj-lt"/>
-              <a:buAutoNum type="arabicPeriod"/>
-            </a:pPr>
-            <a:r>
-              <a:rPr lang="de-DE" dirty="0" smtClean="0"/>
-              <a:t>Beginne mit </a:t>
-            </a:r>
-            <a:r>
-              <a:rPr lang="de-DE" dirty="0" err="1" smtClean="0"/>
-              <a:t>n</a:t>
-            </a:r>
-            <a:r>
-              <a:rPr lang="de-DE" dirty="0" smtClean="0"/>
-              <a:t> Clustern </a:t>
-            </a:r>
-          </a:p>
-          <a:p>
-            <a:pPr marL="800100" lvl="1" indent="-342900">
-              <a:buFont typeface="+mj-lt"/>
-              <a:buAutoNum type="arabicPeriod"/>
-            </a:pPr>
-            <a:r>
-              <a:rPr lang="de-DE" dirty="0" smtClean="0"/>
-              <a:t>Minimiere die Kostenfunktion </a:t>
-            </a:r>
-            <a:r>
-              <a:rPr lang="de-DE" dirty="0" smtClean="0">
-                <a:sym typeface="Wingdings"/>
-              </a:rPr>
-              <a:t> beste bzw. günstigste Vereinigung </a:t>
-            </a:r>
-          </a:p>
-          <a:p>
-            <a:pPr marL="800100" lvl="1" indent="-342900">
-              <a:buFont typeface="+mj-lt"/>
-              <a:buAutoNum type="arabicPeriod"/>
-            </a:pPr>
-            <a:r>
-              <a:rPr lang="de-DE" dirty="0" smtClean="0">
-                <a:sym typeface="Wingdings"/>
-              </a:rPr>
-              <a:t>Ersetze die Cluster durch die Vereinigung </a:t>
-            </a:r>
-          </a:p>
-          <a:p>
-            <a:pPr marL="800100" lvl="1" indent="-342900">
-              <a:buFont typeface="+mj-lt"/>
-              <a:buAutoNum type="arabicPeriod"/>
-            </a:pPr>
-            <a:r>
-              <a:rPr lang="de-DE" dirty="0" smtClean="0">
-                <a:sym typeface="Wingdings"/>
-              </a:rPr>
-              <a:t>Wiederhole die Schritte 2 und 3 bis alle Cluster zusammengefasst sind</a:t>
+              <a:rPr lang="de-DE" dirty="0"/>
+              <a:t>Ablauf (</a:t>
+            </a:r>
+            <a:r>
+              <a:rPr lang="de-DE" dirty="0" err="1"/>
+              <a:t>bottom-up</a:t>
+            </a:r>
+            <a:r>
+              <a:rPr lang="de-DE" dirty="0"/>
+              <a:t>)</a:t>
+            </a:r>
+          </a:p>
+          <a:p>
+            <a:pPr lvl="1"/>
+            <a:r>
+              <a:rPr lang="de-AT" dirty="0"/>
+              <a:t>k Cluster werden ausgewählt</a:t>
+            </a:r>
+          </a:p>
+          <a:p>
+            <a:pPr lvl="1"/>
+            <a:r>
+              <a:rPr lang="de-AT" dirty="0"/>
+              <a:t>Jeden Cluster wird ein Objekt zugewiesen</a:t>
+            </a:r>
+          </a:p>
+          <a:p>
+            <a:pPr lvl="1"/>
+            <a:r>
+              <a:rPr lang="de-AT" dirty="0"/>
+              <a:t>Die beste/ günstigste Vereinigung von 2 oder mehreren Elementen wird gesucht</a:t>
+            </a:r>
+          </a:p>
+          <a:p>
+            <a:pPr lvl="1"/>
+            <a:r>
+              <a:rPr lang="de-AT" dirty="0"/>
+              <a:t>die Elemente werden durch deren Vereinigung ersetzt </a:t>
+            </a:r>
+          </a:p>
+          <a:p>
+            <a:pPr lvl="1"/>
+            <a:r>
+              <a:rPr lang="de-AT" dirty="0"/>
+              <a:t>Wiederholung: bis nur mehr ein Cluster vorhanden ist</a:t>
             </a:r>
             <a:endParaRPr lang="de-DE" dirty="0"/>
           </a:p>
@@ -9828,8 +10123,8 @@
           <a:lstStyle/>
           <a:p>
             <a:r>
-              <a:rPr lang="de-AT" smtClean="0"/>
-              <a:t>21.12.2016</a:t>
+              <a:rPr lang="de-AT" dirty="0"/>
+              <a:t>27.02.2017</a:t>
             </a:r>
             <a:endParaRPr lang="de-AT" dirty="0"/>
           </a:p>
@@ -9937,63 +10232,62 @@
           <a:lstStyle/>
           <a:p>
             <a:r>
-              <a:rPr lang="de-AT" dirty="0" smtClean="0"/>
+              <a:rPr lang="de-AT" dirty="0"/>
               <a:t>Graphen repräsentieren eine Distanzmatrix</a:t>
             </a:r>
           </a:p>
           <a:p>
             <a:r>
-              <a:rPr lang="de-AT" dirty="0" smtClean="0"/>
+              <a:rPr lang="de-AT" dirty="0"/>
               <a:t>Meist </a:t>
             </a:r>
             <a:r>
-              <a:rPr lang="de-AT" dirty="0" err="1" smtClean="0"/>
+              <a:rPr lang="de-AT" dirty="0" err="1"/>
               <a:t>Graphpartitionierung</a:t>
             </a:r>
             <a:endParaRPr lang="de-AT" dirty="0"/>
           </a:p>
           <a:p>
             <a:r>
-              <a:rPr lang="de-AT" dirty="0" smtClean="0"/>
+              <a:rPr lang="de-AT" dirty="0"/>
               <a:t>Verbreitete Methode: Clique-</a:t>
             </a:r>
             <a:r>
-              <a:rPr lang="de-AT" dirty="0" err="1" smtClean="0"/>
+              <a:rPr lang="de-AT" dirty="0" err="1"/>
               <a:t>based</a:t>
             </a:r>
             <a:r>
-              <a:rPr lang="de-AT" dirty="0" smtClean="0"/>
+              <a:rPr lang="de-AT" dirty="0"/>
               <a:t> Clustering </a:t>
             </a:r>
           </a:p>
           <a:p>
             <a:pPr lvl="1"/>
             <a:r>
-              <a:rPr lang="de-AT" dirty="0" smtClean="0"/>
+              <a:rPr lang="de-AT" dirty="0"/>
               <a:t>Beziehung zwischen Objekten</a:t>
             </a:r>
           </a:p>
           <a:p>
             <a:pPr lvl="1"/>
             <a:r>
-              <a:rPr lang="de-AT" dirty="0" smtClean="0"/>
+              <a:rPr lang="de-AT" dirty="0"/>
               <a:t>Ähnlichkeiten</a:t>
             </a:r>
           </a:p>
           <a:p>
             <a:r>
-              <a:rPr lang="de-AT" dirty="0" smtClean="0"/>
+              <a:rPr lang="de-AT" dirty="0"/>
               <a:t>In der Praxis : </a:t>
             </a:r>
             <a:r>
-              <a:rPr lang="de-AT" dirty="0" err="1" smtClean="0"/>
+              <a:rPr lang="de-AT" dirty="0" err="1"/>
               <a:t>Corrupted</a:t>
             </a:r>
             <a:r>
-              <a:rPr lang="de-AT" dirty="0" smtClean="0"/>
+              <a:rPr lang="de-AT" dirty="0"/>
               <a:t>-Clique-Graph</a:t>
             </a:r>
-            <a:endParaRPr lang="de-AT" dirty="0"/>
           </a:p>
         </p:txBody>
       </p:sp>
@@ -10043,8 +10337,8 @@
           <a:lstStyle/>
           <a:p>
             <a:r>
-              <a:rPr lang="de-AT" smtClean="0"/>
-              <a:t>21.12.2016</a:t>
+              <a:rPr lang="de-AT" dirty="0"/>
+              <a:t>27.02.2017</a:t>
             </a:r>
             <a:endParaRPr lang="de-AT" dirty="0"/>
           </a:p>
@@ -10084,13 +10378,6 @@
   <p:clrMapOvr>
     <a:masterClrMapping/>
   </p:clrMapOvr>
-  <p:timing>
-    <p:tnLst>
-      <p:par>
-        <p:cTn id="1" dur="indefinite" restart="never" nodeType="tmRoot"/>
-      </p:par>
-    </p:tnLst>
-  </p:timing>
 </p:sld>
 </file>
 
